--- a/PPT/Sales.pptx
+++ b/PPT/Sales.pptx
@@ -2,7 +2,7 @@
 <file path=ppt/presentation.xml><?xml version="1.0" encoding="utf-8"?>
 <p:presentation xmlns:a="http://schemas.openxmlformats.org/drawingml/2006/main" xmlns:r="http://schemas.openxmlformats.org/officeDocument/2006/relationships" xmlns:p="http://schemas.openxmlformats.org/presentationml/2006/main" saveSubsetFonts="1" autoCompressPictures="0">
   <p:sldMasterIdLst>
-    <p:sldMasterId id="2147483808" r:id="rId4"/>
+    <p:sldMasterId id="2147484093" r:id="rId4"/>
   </p:sldMasterIdLst>
   <p:notesMasterIdLst>
     <p:notesMasterId r:id="rId12"/>
@@ -800,143 +800,36 @@
           <a:chExt cx="0" cy="0"/>
         </a:xfrm>
       </p:grpSpPr>
-      <p:grpSp>
-        <p:nvGrpSpPr>
-          <p:cNvPr id="7" name="Group 6"/>
-          <p:cNvGrpSpPr/>
+      <p:pic>
+        <p:nvPicPr>
+          <p:cNvPr id="7" name="Picture 6" descr="HD-PanelTitle-GrommetsCombined.png"/>
+          <p:cNvPicPr>
+            <a:picLocks noChangeAspect="1"/>
+          </p:cNvPicPr>
           <p:nvPr/>
-        </p:nvGrpSpPr>
-        <p:grpSpPr>
+        </p:nvPicPr>
+        <p:blipFill>
+          <a:blip r:embed="rId2">
+            <a:extLst>
+              <a:ext uri="{28A0092B-C50C-407E-A947-70E740481C1C}">
+                <a14:useLocalDpi xmlns:a14="http://schemas.microsoft.com/office/drawing/2010/main" val="0"/>
+              </a:ext>
+            </a:extLst>
+          </a:blip>
+          <a:stretch>
+            <a:fillRect/>
+          </a:stretch>
+        </p:blipFill>
+        <p:spPr>
           <a:xfrm>
-            <a:off x="-16934" y="0"/>
-            <a:ext cx="12231160" cy="6856214"/>
-            <a:chOff x="-16934" y="0"/>
-            <a:chExt cx="12231160" cy="6856214"/>
+            <a:off x="0" y="0"/>
+            <a:ext cx="12188825" cy="6856214"/>
           </a:xfrm>
-        </p:grpSpPr>
-        <p:pic>
-          <p:nvPicPr>
-            <p:cNvPr id="16" name="Picture 15" descr="HD-PanelTitleR1.png"/>
-            <p:cNvPicPr>
-              <a:picLocks noChangeAspect="1"/>
-            </p:cNvPicPr>
-            <p:nvPr/>
-          </p:nvPicPr>
-          <p:blipFill>
-            <a:blip r:embed="rId2">
-              <a:extLst>
-                <a:ext uri="{28A0092B-C50C-407E-A947-70E740481C1C}">
-                  <a14:useLocalDpi xmlns:a14="http://schemas.microsoft.com/office/drawing/2010/main" val="0"/>
-                </a:ext>
-              </a:extLst>
-            </a:blip>
-            <a:stretch>
-              <a:fillRect/>
-            </a:stretch>
-          </p:blipFill>
-          <p:spPr>
-            <a:xfrm>
-              <a:off x="0" y="0"/>
-              <a:ext cx="12188825" cy="6856214"/>
-            </a:xfrm>
-            <a:prstGeom prst="rect">
-              <a:avLst/>
-            </a:prstGeom>
-          </p:spPr>
-        </p:pic>
-        <p:sp>
-          <p:nvSpPr>
-            <p:cNvPr id="26" name="Rectangle 25"/>
-            <p:cNvSpPr/>
-            <p:nvPr/>
-          </p:nvSpPr>
-          <p:spPr>
-            <a:xfrm>
-              <a:off x="2328332" y="1540931"/>
-              <a:ext cx="7543802" cy="3835401"/>
-            </a:xfrm>
-            <a:prstGeom prst="rect">
-              <a:avLst/>
-            </a:prstGeom>
-            <a:noFill/>
-            <a:ln w="15875">
-              <a:miter lim="800000"/>
-            </a:ln>
-          </p:spPr>
-          <p:style>
-            <a:lnRef idx="1">
-              <a:schemeClr val="accent1"/>
-            </a:lnRef>
-            <a:fillRef idx="3">
-              <a:schemeClr val="accent1"/>
-            </a:fillRef>
-            <a:effectRef idx="2">
-              <a:schemeClr val="accent1"/>
-            </a:effectRef>
-            <a:fontRef idx="minor">
-              <a:schemeClr val="lt1"/>
-            </a:fontRef>
-          </p:style>
-        </p:sp>
-        <p:pic>
-          <p:nvPicPr>
-            <p:cNvPr id="17" name="Picture 16" descr="HDRibbonTitle-UniformTrim.png"/>
-            <p:cNvPicPr>
-              <a:picLocks noChangeAspect="1"/>
-            </p:cNvPicPr>
-            <p:nvPr/>
-          </p:nvPicPr>
-          <p:blipFill rotWithShape="1">
-            <a:blip r:embed="rId3">
-              <a:extLst>
-                <a:ext uri="{28A0092B-C50C-407E-A947-70E740481C1C}">
-                  <a14:useLocalDpi xmlns:a14="http://schemas.microsoft.com/office/drawing/2010/main" val="0"/>
-                </a:ext>
-              </a:extLst>
-            </a:blip>
-            <a:srcRect/>
-            <a:stretch/>
-          </p:blipFill>
-          <p:spPr>
-            <a:xfrm>
-              <a:off x="-16934" y="3147609"/>
-              <a:ext cx="2478024" cy="612648"/>
-            </a:xfrm>
-            <a:prstGeom prst="rect">
-              <a:avLst/>
-            </a:prstGeom>
-          </p:spPr>
-        </p:pic>
-        <p:pic>
-          <p:nvPicPr>
-            <p:cNvPr id="20" name="Picture 19" descr="HDRibbonTitle-UniformTrim.png"/>
-            <p:cNvPicPr>
-              <a:picLocks noChangeAspect="1"/>
-            </p:cNvPicPr>
-            <p:nvPr/>
-          </p:nvPicPr>
-          <p:blipFill rotWithShape="1">
-            <a:blip r:embed="rId3">
-              <a:extLst>
-                <a:ext uri="{28A0092B-C50C-407E-A947-70E740481C1C}">
-                  <a14:useLocalDpi xmlns:a14="http://schemas.microsoft.com/office/drawing/2010/main" val="0"/>
-                </a:ext>
-              </a:extLst>
-            </a:blip>
-            <a:srcRect/>
-            <a:stretch/>
-          </p:blipFill>
-          <p:spPr>
-            <a:xfrm>
-              <a:off x="9736202" y="3147609"/>
-              <a:ext cx="2478024" cy="612648"/>
-            </a:xfrm>
-            <a:prstGeom prst="rect">
-              <a:avLst/>
-            </a:prstGeom>
-          </p:spPr>
-        </p:pic>
-      </p:grpSp>
+          <a:prstGeom prst="rect">
+            <a:avLst/>
+          </a:prstGeom>
+        </p:spPr>
+      </p:pic>
       <p:sp>
         <p:nvSpPr>
           <p:cNvPr id="2" name="Title 1"/>
@@ -1188,6 +1081,14 @@
           <a:prstGeom prst="line">
             <a:avLst/>
           </a:prstGeom>
+          <a:ln>
+            <a:solidFill>
+              <a:schemeClr val="accent1">
+                <a:lumMod val="60000"/>
+                <a:lumOff val="40000"/>
+              </a:schemeClr>
+            </a:solidFill>
+          </a:ln>
         </p:spPr>
         <p:style>
           <a:lnRef idx="2">
@@ -1207,7 +1108,7 @@
     </p:spTree>
     <p:extLst>
       <p:ext uri="{BB962C8B-B14F-4D97-AF65-F5344CB8AC3E}">
-        <p14:creationId xmlns:p14="http://schemas.microsoft.com/office/powerpoint/2010/main" val="2124965841"/>
+        <p14:creationId xmlns:p14="http://schemas.microsoft.com/office/powerpoint/2010/main" val="623422381"/>
       </p:ext>
     </p:extLst>
   </p:cSld>
@@ -1494,7 +1395,7 @@
     </p:spTree>
     <p:extLst>
       <p:ext uri="{BB962C8B-B14F-4D97-AF65-F5344CB8AC3E}">
-        <p14:creationId xmlns:p14="http://schemas.microsoft.com/office/powerpoint/2010/main" val="1550370812"/>
+        <p14:creationId xmlns:p14="http://schemas.microsoft.com/office/powerpoint/2010/main" val="4240132590"/>
       </p:ext>
     </p:extLst>
   </p:cSld>
@@ -1756,7 +1657,14 @@
           <a:prstGeom prst="line">
             <a:avLst/>
           </a:prstGeom>
-          <a:ln w="15875"/>
+          <a:ln w="15875">
+            <a:solidFill>
+              <a:schemeClr val="accent1">
+                <a:lumMod val="60000"/>
+                <a:lumOff val="40000"/>
+              </a:schemeClr>
+            </a:solidFill>
+          </a:ln>
         </p:spPr>
         <p:style>
           <a:lnRef idx="2">
@@ -1776,7 +1684,7 @@
     </p:spTree>
     <p:extLst>
       <p:ext uri="{BB962C8B-B14F-4D97-AF65-F5344CB8AC3E}">
-        <p14:creationId xmlns:p14="http://schemas.microsoft.com/office/powerpoint/2010/main" val="274714902"/>
+        <p14:creationId xmlns:p14="http://schemas.microsoft.com/office/powerpoint/2010/main" val="3944133358"/>
       </p:ext>
     </p:extLst>
   </p:cSld>
@@ -2166,7 +2074,14 @@
           <a:prstGeom prst="line">
             <a:avLst/>
           </a:prstGeom>
-          <a:ln w="15875"/>
+          <a:ln w="15875">
+            <a:solidFill>
+              <a:schemeClr val="accent1">
+                <a:lumMod val="60000"/>
+                <a:lumOff val="40000"/>
+              </a:schemeClr>
+            </a:solidFill>
+          </a:ln>
         </p:spPr>
         <p:style>
           <a:lnRef idx="2">
@@ -2186,7 +2101,7 @@
     </p:spTree>
     <p:extLst>
       <p:ext uri="{BB962C8B-B14F-4D97-AF65-F5344CB8AC3E}">
-        <p14:creationId xmlns:p14="http://schemas.microsoft.com/office/powerpoint/2010/main" val="3487851633"/>
+        <p14:creationId xmlns:p14="http://schemas.microsoft.com/office/powerpoint/2010/main" val="329066407"/>
       </p:ext>
     </p:extLst>
   </p:cSld>
@@ -2437,7 +2352,7 @@
     </p:spTree>
     <p:extLst>
       <p:ext uri="{BB962C8B-B14F-4D97-AF65-F5344CB8AC3E}">
-        <p14:creationId xmlns:p14="http://schemas.microsoft.com/office/powerpoint/2010/main" val="730837963"/>
+        <p14:creationId xmlns:p14="http://schemas.microsoft.com/office/powerpoint/2010/main" val="3287922528"/>
       </p:ext>
     </p:extLst>
   </p:cSld>
@@ -2505,7 +2420,7 @@
       </p:sp>
       <p:sp>
         <p:nvSpPr>
-          <p:cNvPr id="23" name="Text Placeholder 2"/>
+          <p:cNvPr id="14" name="Text Placeholder 2"/>
           <p:cNvSpPr>
             <a:spLocks noGrp="1"/>
           </p:cNvSpPr>
@@ -2893,7 +2808,14 @@
           <a:prstGeom prst="line">
             <a:avLst/>
           </a:prstGeom>
-          <a:ln w="15875"/>
+          <a:ln w="15875">
+            <a:solidFill>
+              <a:schemeClr val="accent1">
+                <a:lumMod val="60000"/>
+                <a:lumOff val="40000"/>
+              </a:schemeClr>
+            </a:solidFill>
+          </a:ln>
         </p:spPr>
         <p:style>
           <a:lnRef idx="2">
@@ -2913,7 +2835,7 @@
     </p:spTree>
     <p:extLst>
       <p:ext uri="{BB962C8B-B14F-4D97-AF65-F5344CB8AC3E}">
-        <p14:creationId xmlns:p14="http://schemas.microsoft.com/office/powerpoint/2010/main" val="197539803"/>
+        <p14:creationId xmlns:p14="http://schemas.microsoft.com/office/powerpoint/2010/main" val="3233209803"/>
       </p:ext>
     </p:extLst>
   </p:cSld>
@@ -2978,7 +2900,7 @@
       </p:sp>
       <p:sp>
         <p:nvSpPr>
-          <p:cNvPr id="20" name="Text Placeholder 2"/>
+          <p:cNvPr id="11" name="Text Placeholder 2"/>
           <p:cNvSpPr>
             <a:spLocks noGrp="1"/>
           </p:cNvSpPr>
@@ -3298,7 +3220,14 @@
           <a:prstGeom prst="line">
             <a:avLst/>
           </a:prstGeom>
-          <a:ln w="15875"/>
+          <a:ln w="15875">
+            <a:solidFill>
+              <a:schemeClr val="accent1">
+                <a:lumMod val="60000"/>
+                <a:lumOff val="40000"/>
+              </a:schemeClr>
+            </a:solidFill>
+          </a:ln>
         </p:spPr>
         <p:style>
           <a:lnRef idx="2">
@@ -3318,7 +3247,7 @@
     </p:spTree>
     <p:extLst>
       <p:ext uri="{BB962C8B-B14F-4D97-AF65-F5344CB8AC3E}">
-        <p14:creationId xmlns:p14="http://schemas.microsoft.com/office/powerpoint/2010/main" val="98166841"/>
+        <p14:creationId xmlns:p14="http://schemas.microsoft.com/office/powerpoint/2010/main" val="1255133453"/>
       </p:ext>
     </p:extLst>
   </p:cSld>
@@ -3504,7 +3433,14 @@
           <a:prstGeom prst="line">
             <a:avLst/>
           </a:prstGeom>
-          <a:ln w="15875"/>
+          <a:ln w="15875">
+            <a:solidFill>
+              <a:schemeClr val="accent1">
+                <a:lumMod val="60000"/>
+                <a:lumOff val="40000"/>
+              </a:schemeClr>
+            </a:solidFill>
+          </a:ln>
         </p:spPr>
         <p:style>
           <a:lnRef idx="2">
@@ -3524,7 +3460,7 @@
     </p:spTree>
     <p:extLst>
       <p:ext uri="{BB962C8B-B14F-4D97-AF65-F5344CB8AC3E}">
-        <p14:creationId xmlns:p14="http://schemas.microsoft.com/office/powerpoint/2010/main" val="897836120"/>
+        <p14:creationId xmlns:p14="http://schemas.microsoft.com/office/powerpoint/2010/main" val="2590148474"/>
       </p:ext>
     </p:extLst>
   </p:cSld>
@@ -3718,7 +3654,14 @@
           <a:prstGeom prst="line">
             <a:avLst/>
           </a:prstGeom>
-          <a:ln w="15875"/>
+          <a:ln w="15875">
+            <a:solidFill>
+              <a:schemeClr val="accent1">
+                <a:lumMod val="60000"/>
+                <a:lumOff val="40000"/>
+              </a:schemeClr>
+            </a:solidFill>
+          </a:ln>
         </p:spPr>
         <p:style>
           <a:lnRef idx="2">
@@ -3738,7 +3681,7 @@
     </p:spTree>
     <p:extLst>
       <p:ext uri="{BB962C8B-B14F-4D97-AF65-F5344CB8AC3E}">
-        <p14:creationId xmlns:p14="http://schemas.microsoft.com/office/powerpoint/2010/main" val="2262939215"/>
+        <p14:creationId xmlns:p14="http://schemas.microsoft.com/office/powerpoint/2010/main" val="1579627984"/>
       </p:ext>
     </p:extLst>
   </p:cSld>
@@ -4281,7 +4224,7 @@
     </p:spTree>
     <p:extLst>
       <p:ext uri="{BB962C8B-B14F-4D97-AF65-F5344CB8AC3E}">
-        <p14:creationId xmlns:p14="http://schemas.microsoft.com/office/powerpoint/2010/main" val="4081604408"/>
+        <p14:creationId xmlns:p14="http://schemas.microsoft.com/office/powerpoint/2010/main" val="2056220383"/>
       </p:ext>
     </p:extLst>
   </p:cSld>
@@ -4787,7 +4730,7 @@
     </p:spTree>
     <p:extLst>
       <p:ext uri="{BB962C8B-B14F-4D97-AF65-F5344CB8AC3E}">
-        <p14:creationId xmlns:p14="http://schemas.microsoft.com/office/powerpoint/2010/main" val="2865644503"/>
+        <p14:creationId xmlns:p14="http://schemas.microsoft.com/office/powerpoint/2010/main" val="3315998388"/>
       </p:ext>
     </p:extLst>
   </p:cSld>
@@ -4849,7 +4792,14 @@
           <a:prstGeom prst="line">
             <a:avLst/>
           </a:prstGeom>
-          <a:ln w="15875"/>
+          <a:ln>
+            <a:solidFill>
+              <a:schemeClr val="accent1">
+                <a:lumMod val="60000"/>
+                <a:lumOff val="40000"/>
+              </a:schemeClr>
+            </a:solidFill>
+          </a:ln>
         </p:spPr>
         <p:style>
           <a:lnRef idx="2">
@@ -5011,7 +4961,7 @@
     </p:spTree>
     <p:extLst>
       <p:ext uri="{BB962C8B-B14F-4D97-AF65-F5344CB8AC3E}">
-        <p14:creationId xmlns:p14="http://schemas.microsoft.com/office/powerpoint/2010/main" val="768820520"/>
+        <p14:creationId xmlns:p14="http://schemas.microsoft.com/office/powerpoint/2010/main" val="2488951773"/>
       </p:ext>
     </p:extLst>
   </p:cSld>
@@ -5488,7 +5438,7 @@
     </p:spTree>
     <p:extLst>
       <p:ext uri="{BB962C8B-B14F-4D97-AF65-F5344CB8AC3E}">
-        <p14:creationId xmlns:p14="http://schemas.microsoft.com/office/powerpoint/2010/main" val="2310340303"/>
+        <p14:creationId xmlns:p14="http://schemas.microsoft.com/office/powerpoint/2010/main" val="3706536091"/>
       </p:ext>
     </p:extLst>
   </p:cSld>
@@ -6736,7 +6686,7 @@
     </p:spTree>
     <p:extLst>
       <p:ext uri="{BB962C8B-B14F-4D97-AF65-F5344CB8AC3E}">
-        <p14:creationId xmlns:p14="http://schemas.microsoft.com/office/powerpoint/2010/main" val="4168012025"/>
+        <p14:creationId xmlns:p14="http://schemas.microsoft.com/office/powerpoint/2010/main" val="1788919479"/>
       </p:ext>
     </p:extLst>
   </p:cSld>
@@ -7245,7 +7195,14 @@
           <a:prstGeom prst="line">
             <a:avLst/>
           </a:prstGeom>
-          <a:ln w="15875"/>
+          <a:ln w="15875">
+            <a:solidFill>
+              <a:schemeClr val="accent1">
+                <a:lumMod val="60000"/>
+                <a:lumOff val="40000"/>
+              </a:schemeClr>
+            </a:solidFill>
+          </a:ln>
         </p:spPr>
         <p:style>
           <a:lnRef idx="2">
@@ -7265,7 +7222,7 @@
     </p:spTree>
     <p:extLst>
       <p:ext uri="{BB962C8B-B14F-4D97-AF65-F5344CB8AC3E}">
-        <p14:creationId xmlns:p14="http://schemas.microsoft.com/office/powerpoint/2010/main" val="1986771184"/>
+        <p14:creationId xmlns:p14="http://schemas.microsoft.com/office/powerpoint/2010/main" val="1619316696"/>
       </p:ext>
     </p:extLst>
   </p:cSld>
@@ -7307,7 +7264,14 @@
           <a:prstGeom prst="line">
             <a:avLst/>
           </a:prstGeom>
-          <a:ln w="15875"/>
+          <a:ln w="15875">
+            <a:solidFill>
+              <a:schemeClr val="accent1">
+                <a:lumMod val="60000"/>
+                <a:lumOff val="40000"/>
+              </a:schemeClr>
+            </a:solidFill>
+          </a:ln>
         </p:spPr>
         <p:style>
           <a:lnRef idx="2">
@@ -7533,7 +7497,7 @@
     </p:spTree>
     <p:extLst>
       <p:ext uri="{BB962C8B-B14F-4D97-AF65-F5344CB8AC3E}">
-        <p14:creationId xmlns:p14="http://schemas.microsoft.com/office/powerpoint/2010/main" val="1045202500"/>
+        <p14:creationId xmlns:p14="http://schemas.microsoft.com/office/powerpoint/2010/main" val="306495343"/>
       </p:ext>
     </p:extLst>
   </p:cSld>
@@ -7610,12 +7574,6 @@
           </a:bodyPr>
           <a:lstStyle>
             <a:lvl1pPr marL="0" indent="0">
-              <a:spcBef>
-                <a:spcPts val="672"/>
-              </a:spcBef>
-              <a:spcAft>
-                <a:spcPts val="600"/>
-              </a:spcAft>
               <a:buNone/>
               <a:defRPr sz="2800" b="0">
                 <a:solidFill>
@@ -7736,7 +7694,7 @@
         </p:nvSpPr>
         <p:spPr>
           <a:xfrm>
-            <a:off x="6180670" y="2658533"/>
+            <a:off x="6180671" y="2658533"/>
             <a:ext cx="4718304" cy="576262"/>
           </a:xfrm>
         </p:spPr>
@@ -7746,12 +7704,6 @@
           </a:bodyPr>
           <a:lstStyle>
             <a:lvl1pPr marL="0" indent="0">
-              <a:spcBef>
-                <a:spcPts val="672"/>
-              </a:spcBef>
-              <a:spcAft>
-                <a:spcPts val="600"/>
-              </a:spcAft>
               <a:buNone/>
               <a:defRPr sz="2800" b="0">
                 <a:solidFill>
@@ -7813,7 +7765,7 @@
         </p:nvSpPr>
         <p:spPr>
           <a:xfrm>
-            <a:off x="6180670" y="3243262"/>
+            <a:off x="6180671" y="3243262"/>
             <a:ext cx="4718304" cy="2632605"/>
           </a:xfrm>
         </p:spPr>
@@ -7941,7 +7893,14 @@
           <a:prstGeom prst="line">
             <a:avLst/>
           </a:prstGeom>
-          <a:ln w="15875"/>
+          <a:ln w="15875">
+            <a:solidFill>
+              <a:schemeClr val="accent1">
+                <a:lumMod val="60000"/>
+                <a:lumOff val="40000"/>
+              </a:schemeClr>
+            </a:solidFill>
+          </a:ln>
         </p:spPr>
         <p:style>
           <a:lnRef idx="2">
@@ -7961,7 +7920,7 @@
     </p:spTree>
     <p:extLst>
       <p:ext uri="{BB962C8B-B14F-4D97-AF65-F5344CB8AC3E}">
-        <p14:creationId xmlns:p14="http://schemas.microsoft.com/office/powerpoint/2010/main" val="2926476725"/>
+        <p14:creationId xmlns:p14="http://schemas.microsoft.com/office/powerpoint/2010/main" val="1643512456"/>
       </p:ext>
     </p:extLst>
   </p:cSld>
@@ -8093,7 +8052,14 @@
           <a:prstGeom prst="line">
             <a:avLst/>
           </a:prstGeom>
-          <a:ln w="15875"/>
+          <a:ln w="15875">
+            <a:solidFill>
+              <a:schemeClr val="accent1">
+                <a:lumMod val="60000"/>
+                <a:lumOff val="40000"/>
+              </a:schemeClr>
+            </a:solidFill>
+          </a:ln>
         </p:spPr>
         <p:style>
           <a:lnRef idx="2">
@@ -8113,7 +8079,7 @@
     </p:spTree>
     <p:extLst>
       <p:ext uri="{BB962C8B-B14F-4D97-AF65-F5344CB8AC3E}">
-        <p14:creationId xmlns:p14="http://schemas.microsoft.com/office/powerpoint/2010/main" val="2259510275"/>
+        <p14:creationId xmlns:p14="http://schemas.microsoft.com/office/powerpoint/2010/main" val="4041216823"/>
       </p:ext>
     </p:extLst>
   </p:cSld>
@@ -8211,7 +8177,7 @@
     </p:spTree>
     <p:extLst>
       <p:ext uri="{BB962C8B-B14F-4D97-AF65-F5344CB8AC3E}">
-        <p14:creationId xmlns:p14="http://schemas.microsoft.com/office/powerpoint/2010/main" val="1806449563"/>
+        <p14:creationId xmlns:p14="http://schemas.microsoft.com/office/powerpoint/2010/main" val="339535074"/>
       </p:ext>
     </p:extLst>
   </p:cSld>
@@ -8478,7 +8444,14 @@
           <a:prstGeom prst="line">
             <a:avLst/>
           </a:prstGeom>
-          <a:ln w="15875"/>
+          <a:ln w="15875">
+            <a:solidFill>
+              <a:schemeClr val="accent1">
+                <a:lumMod val="60000"/>
+                <a:lumOff val="40000"/>
+              </a:schemeClr>
+            </a:solidFill>
+          </a:ln>
         </p:spPr>
         <p:style>
           <a:lnRef idx="2">
@@ -8498,7 +8471,7 @@
     </p:spTree>
     <p:extLst>
       <p:ext uri="{BB962C8B-B14F-4D97-AF65-F5344CB8AC3E}">
-        <p14:creationId xmlns:p14="http://schemas.microsoft.com/office/powerpoint/2010/main" val="1662950708"/>
+        <p14:creationId xmlns:p14="http://schemas.microsoft.com/office/powerpoint/2010/main" val="734704011"/>
       </p:ext>
     </p:extLst>
   </p:cSld>
@@ -8785,7 +8758,7 @@
     </p:spTree>
     <p:extLst>
       <p:ext uri="{BB962C8B-B14F-4D97-AF65-F5344CB8AC3E}">
-        <p14:creationId xmlns:p14="http://schemas.microsoft.com/office/powerpoint/2010/main" val="3427525293"/>
+        <p14:creationId xmlns:p14="http://schemas.microsoft.com/office/powerpoint/2010/main" val="4010266849"/>
       </p:ext>
     </p:extLst>
   </p:cSld>
@@ -8818,143 +8791,36 @@
           <a:chExt cx="0" cy="0"/>
         </a:xfrm>
       </p:grpSpPr>
-      <p:grpSp>
-        <p:nvGrpSpPr>
-          <p:cNvPr id="7" name="Group 6"/>
-          <p:cNvGrpSpPr/>
+      <p:pic>
+        <p:nvPicPr>
+          <p:cNvPr id="7" name="Picture 6" descr="HD-PanelContent-GrommetsCombined.png"/>
+          <p:cNvPicPr>
+            <a:picLocks noChangeAspect="1"/>
+          </p:cNvPicPr>
           <p:nvPr/>
-        </p:nvGrpSpPr>
-        <p:grpSpPr>
+        </p:nvPicPr>
+        <p:blipFill>
+          <a:blip r:embed="rId24">
+            <a:extLst>
+              <a:ext uri="{28A0092B-C50C-407E-A947-70E740481C1C}">
+                <a14:useLocalDpi xmlns:a14="http://schemas.microsoft.com/office/drawing/2010/main" val="0"/>
+              </a:ext>
+            </a:extLst>
+          </a:blip>
+          <a:stretch>
+            <a:fillRect/>
+          </a:stretch>
+        </p:blipFill>
+        <p:spPr>
           <a:xfrm>
-            <a:off x="-15736" y="0"/>
-            <a:ext cx="12229962" cy="6856214"/>
-            <a:chOff x="-15736" y="0"/>
-            <a:chExt cx="12229962" cy="6856214"/>
+            <a:off x="0" y="0"/>
+            <a:ext cx="12188825" cy="6856214"/>
           </a:xfrm>
-        </p:grpSpPr>
-        <p:pic>
-          <p:nvPicPr>
-            <p:cNvPr id="8" name="Picture 7" descr="HD-PanelContent.png"/>
-            <p:cNvPicPr>
-              <a:picLocks noChangeAspect="1"/>
-            </p:cNvPicPr>
-            <p:nvPr/>
-          </p:nvPicPr>
-          <p:blipFill>
-            <a:blip r:embed="rId24">
-              <a:extLst>
-                <a:ext uri="{28A0092B-C50C-407E-A947-70E740481C1C}">
-                  <a14:useLocalDpi xmlns:a14="http://schemas.microsoft.com/office/drawing/2010/main" val="0"/>
-                </a:ext>
-              </a:extLst>
-            </a:blip>
-            <a:stretch>
-              <a:fillRect/>
-            </a:stretch>
-          </p:blipFill>
-          <p:spPr>
-            <a:xfrm>
-              <a:off x="0" y="0"/>
-              <a:ext cx="12188825" cy="6856214"/>
-            </a:xfrm>
-            <a:prstGeom prst="rect">
-              <a:avLst/>
-            </a:prstGeom>
-          </p:spPr>
-        </p:pic>
-        <p:sp>
-          <p:nvSpPr>
-            <p:cNvPr id="9" name="Rectangle 8"/>
-            <p:cNvSpPr/>
-            <p:nvPr/>
-          </p:nvSpPr>
-          <p:spPr>
-            <a:xfrm>
-              <a:off x="608012" y="609600"/>
-              <a:ext cx="10972800" cy="5638800"/>
-            </a:xfrm>
-            <a:prstGeom prst="rect">
-              <a:avLst/>
-            </a:prstGeom>
-            <a:noFill/>
-            <a:ln w="15875" cap="flat">
-              <a:miter lim="800000"/>
-            </a:ln>
-          </p:spPr>
-          <p:style>
-            <a:lnRef idx="1">
-              <a:schemeClr val="accent1"/>
-            </a:lnRef>
-            <a:fillRef idx="3">
-              <a:schemeClr val="accent1"/>
-            </a:fillRef>
-            <a:effectRef idx="2">
-              <a:schemeClr val="accent1"/>
-            </a:effectRef>
-            <a:fontRef idx="minor">
-              <a:schemeClr val="lt1"/>
-            </a:fontRef>
-          </p:style>
-        </p:sp>
-        <p:pic>
-          <p:nvPicPr>
-            <p:cNvPr id="10" name="Picture 9" descr="HDRibbonContent-UniformTrim.png"/>
-            <p:cNvPicPr>
-              <a:picLocks noChangeAspect="1"/>
-            </p:cNvPicPr>
-            <p:nvPr/>
-          </p:nvPicPr>
-          <p:blipFill rotWithShape="1">
-            <a:blip r:embed="rId25">
-              <a:extLst>
-                <a:ext uri="{28A0092B-C50C-407E-A947-70E740481C1C}">
-                  <a14:useLocalDpi xmlns:a14="http://schemas.microsoft.com/office/drawing/2010/main" val="0"/>
-                </a:ext>
-              </a:extLst>
-            </a:blip>
-            <a:srcRect/>
-            <a:stretch/>
-          </p:blipFill>
-          <p:spPr>
-            <a:xfrm>
-              <a:off x="-15736" y="3153832"/>
-              <a:ext cx="777240" cy="606425"/>
-            </a:xfrm>
-            <a:prstGeom prst="rect">
-              <a:avLst/>
-            </a:prstGeom>
-          </p:spPr>
-        </p:pic>
-        <p:pic>
-          <p:nvPicPr>
-            <p:cNvPr id="11" name="Picture 10" descr="HDRibbonContent-UniformTrim.png"/>
-            <p:cNvPicPr>
-              <a:picLocks noChangeAspect="1"/>
-            </p:cNvPicPr>
-            <p:nvPr/>
-          </p:nvPicPr>
-          <p:blipFill rotWithShape="1">
-            <a:blip r:embed="rId25">
-              <a:extLst>
-                <a:ext uri="{28A0092B-C50C-407E-A947-70E740481C1C}">
-                  <a14:useLocalDpi xmlns:a14="http://schemas.microsoft.com/office/drawing/2010/main" val="0"/>
-                </a:ext>
-              </a:extLst>
-            </a:blip>
-            <a:srcRect/>
-            <a:stretch/>
-          </p:blipFill>
-          <p:spPr>
-            <a:xfrm>
-              <a:off x="11436986" y="3153832"/>
-              <a:ext cx="777240" cy="606425"/>
-            </a:xfrm>
-            <a:prstGeom prst="rect">
-              <a:avLst/>
-            </a:prstGeom>
-          </p:spPr>
-        </p:pic>
-      </p:grpSp>
+          <a:prstGeom prst="rect">
+            <a:avLst/>
+          </a:prstGeom>
+        </p:spPr>
+      </p:pic>
       <p:sp>
         <p:nvSpPr>
           <p:cNvPr id="2" name="Title Placeholder 1"/>
@@ -9174,7 +9040,7 @@
       </p:sp>
       <p:sp>
         <p:nvSpPr>
-          <p:cNvPr id="12" name="Date Placeholder 3">
+          <p:cNvPr id="8" name="Date Placeholder 3">
             <a:extLst>
               <a:ext uri="{FF2B5EF4-FFF2-40B4-BE49-F238E27FC236}">
                 <a16:creationId xmlns:a16="http://schemas.microsoft.com/office/drawing/2014/main" id="{2CD6B789-4B66-4BD0-9623-80E9542A65FE}"/>
@@ -9312,7 +9178,7 @@
       </p:sp>
       <p:sp>
         <p:nvSpPr>
-          <p:cNvPr id="13" name="Footer Placeholder 4">
+          <p:cNvPr id="9" name="Footer Placeholder 4">
             <a:extLst>
               <a:ext uri="{FF2B5EF4-FFF2-40B4-BE49-F238E27FC236}">
                 <a16:creationId xmlns:a16="http://schemas.microsoft.com/office/drawing/2014/main" id="{A3BB5234-44A4-4506-BD19-5808475EBB7F}"/>
@@ -9445,7 +9311,7 @@
       </p:sp>
       <p:sp>
         <p:nvSpPr>
-          <p:cNvPr id="14" name="Slide Number Placeholder 5">
+          <p:cNvPr id="10" name="Slide Number Placeholder 5">
             <a:extLst>
               <a:ext uri="{FF2B5EF4-FFF2-40B4-BE49-F238E27FC236}">
                 <a16:creationId xmlns:a16="http://schemas.microsoft.com/office/drawing/2014/main" id="{68D89618-7EE9-46BF-BEAC-45E6F98ACA1A}"/>
@@ -9585,33 +9451,33 @@
     </p:spTree>
     <p:extLst>
       <p:ext uri="{BB962C8B-B14F-4D97-AF65-F5344CB8AC3E}">
-        <p14:creationId xmlns:p14="http://schemas.microsoft.com/office/powerpoint/2010/main" val="2279463900"/>
+        <p14:creationId xmlns:p14="http://schemas.microsoft.com/office/powerpoint/2010/main" val="260108893"/>
       </p:ext>
     </p:extLst>
   </p:cSld>
   <p:clrMap bg1="lt1" tx1="dk1" bg2="lt2" tx2="dk2" accent1="accent1" accent2="accent2" accent3="accent3" accent4="accent4" accent5="accent5" accent6="accent6" hlink="hlink" folHlink="folHlink"/>
   <p:sldLayoutIdLst>
-    <p:sldLayoutId id="2147483809" r:id="rId1"/>
-    <p:sldLayoutId id="2147483810" r:id="rId2"/>
-    <p:sldLayoutId id="2147483811" r:id="rId3"/>
-    <p:sldLayoutId id="2147483812" r:id="rId4"/>
-    <p:sldLayoutId id="2147483813" r:id="rId5"/>
-    <p:sldLayoutId id="2147483814" r:id="rId6"/>
-    <p:sldLayoutId id="2147483815" r:id="rId7"/>
-    <p:sldLayoutId id="2147483816" r:id="rId8"/>
-    <p:sldLayoutId id="2147483817" r:id="rId9"/>
-    <p:sldLayoutId id="2147483818" r:id="rId10"/>
-    <p:sldLayoutId id="2147483819" r:id="rId11"/>
-    <p:sldLayoutId id="2147483820" r:id="rId12"/>
-    <p:sldLayoutId id="2147483821" r:id="rId13"/>
-    <p:sldLayoutId id="2147483822" r:id="rId14"/>
-    <p:sldLayoutId id="2147483823" r:id="rId15"/>
-    <p:sldLayoutId id="2147483824" r:id="rId16"/>
-    <p:sldLayoutId id="2147483825" r:id="rId17"/>
-    <p:sldLayoutId id="2147483826" r:id="rId18"/>
-    <p:sldLayoutId id="2147483827" r:id="rId19"/>
-    <p:sldLayoutId id="2147483828" r:id="rId20"/>
-    <p:sldLayoutId id="2147483829" r:id="rId21"/>
+    <p:sldLayoutId id="2147484094" r:id="rId1"/>
+    <p:sldLayoutId id="2147484095" r:id="rId2"/>
+    <p:sldLayoutId id="2147484096" r:id="rId3"/>
+    <p:sldLayoutId id="2147484097" r:id="rId4"/>
+    <p:sldLayoutId id="2147484098" r:id="rId5"/>
+    <p:sldLayoutId id="2147484099" r:id="rId6"/>
+    <p:sldLayoutId id="2147484100" r:id="rId7"/>
+    <p:sldLayoutId id="2147484101" r:id="rId8"/>
+    <p:sldLayoutId id="2147484102" r:id="rId9"/>
+    <p:sldLayoutId id="2147484103" r:id="rId10"/>
+    <p:sldLayoutId id="2147484104" r:id="rId11"/>
+    <p:sldLayoutId id="2147484105" r:id="rId12"/>
+    <p:sldLayoutId id="2147484106" r:id="rId13"/>
+    <p:sldLayoutId id="2147484107" r:id="rId14"/>
+    <p:sldLayoutId id="2147484108" r:id="rId15"/>
+    <p:sldLayoutId id="2147484109" r:id="rId16"/>
+    <p:sldLayoutId id="2147484110" r:id="rId17"/>
+    <p:sldLayoutId id="2147484111" r:id="rId18"/>
+    <p:sldLayoutId id="2147484112" r:id="rId19"/>
+    <p:sldLayoutId id="2147484113" r:id="rId20"/>
+    <p:sldLayoutId id="2147484114" r:id="rId21"/>
     <p:sldLayoutId id="2147483690" r:id="rId22"/>
   </p:sldLayoutIdLst>
   <p:hf hdr="0" ftr="0" dt="0"/>
@@ -11414,11 +11280,16 @@
   <p:cSld>
     <p:bg>
       <p:bgPr>
-        <a:solidFill>
-          <a:schemeClr val="bg1">
-            <a:lumMod val="95000"/>
-          </a:schemeClr>
-        </a:solidFill>
+        <a:pattFill prst="pct5">
+          <a:fgClr>
+            <a:schemeClr val="bg1">
+              <a:lumMod val="95000"/>
+            </a:schemeClr>
+          </a:fgClr>
+          <a:bgClr>
+            <a:schemeClr val="bg1"/>
+          </a:bgClr>
+        </a:pattFill>
         <a:effectLst/>
       </p:bgPr>
     </p:bg>
@@ -11752,8 +11623,8 @@
         </p:nvSpPr>
         <p:spPr>
           <a:xfrm>
-            <a:off x="721359" y="1991360"/>
-            <a:ext cx="7904481" cy="3990023"/>
+            <a:off x="1486289" y="2186781"/>
+            <a:ext cx="7420319" cy="2903965"/>
           </a:xfrm>
         </p:spPr>
         <p:txBody>
@@ -12341,7 +12212,9 @@
           </a:xfrm>
         </p:spPr>
         <p:txBody>
-          <a:bodyPr/>
+          <a:bodyPr>
+            <a:normAutofit/>
+          </a:bodyPr>
           <a:lstStyle/>
           <a:p>
             <a:pPr lvl="1">
@@ -12350,10 +12223,10 @@
               </a:lnSpc>
             </a:pPr>
             <a:r>
-              <a:rPr lang="en-US" dirty="0" err="1" smtClean="0"/>
+              <a:rPr lang="en-US" sz="2800" dirty="0" err="1" smtClean="0"/>
               <a:t>PowerBI</a:t>
             </a:r>
-            <a:endParaRPr lang="en-IN" dirty="0"/>
+            <a:endParaRPr lang="en-IN" sz="2800" dirty="0"/>
           </a:p>
         </p:txBody>
       </p:sp>
@@ -13676,7 +13549,7 @@
         </p:nvSpPr>
         <p:spPr>
           <a:xfrm>
-            <a:off x="2176624" y="848428"/>
+            <a:off x="2495863" y="1360453"/>
             <a:ext cx="7156939" cy="1230923"/>
           </a:xfrm>
           <a:prstGeom prst="rect">
@@ -13696,15 +13569,7 @@
                   <a:schemeClr val="tx1"/>
                 </a:solidFill>
               </a:rPr>
-              <a:t>Thank </a:t>
-            </a:r>
-            <a:r>
-              <a:rPr lang="en-US" sz="4800" b="1" dirty="0" smtClean="0">
-                <a:solidFill>
-                  <a:schemeClr val="tx1"/>
-                </a:solidFill>
-              </a:rPr>
-              <a:t>you</a:t>
+              <a:t>Thank you</a:t>
             </a:r>
             <a:endParaRPr lang="en-US" sz="4800" b="1" dirty="0">
               <a:solidFill>
@@ -13716,13 +13581,7 @@
       </p:sp>
       <p:sp>
         <p:nvSpPr>
-          <p:cNvPr id="31" name="Text Placeholder 30">
-            <a:extLst>
-              <a:ext uri="{FF2B5EF4-FFF2-40B4-BE49-F238E27FC236}">
-                <a16:creationId xmlns:a16="http://schemas.microsoft.com/office/drawing/2014/main" id="{97AB1F14-3A1E-4057-A473-9975BA59F012}"/>
-              </a:ext>
-            </a:extLst>
-          </p:cNvPr>
+          <p:cNvPr id="13" name="Text Placeholder 1"/>
           <p:cNvSpPr>
             <a:spLocks noGrp="1"/>
           </p:cNvSpPr>
@@ -13732,8 +13591,42 @@
         </p:nvSpPr>
         <p:spPr>
           <a:xfrm>
-            <a:off x="3727865" y="4641925"/>
-            <a:ext cx="2139695" cy="1108635"/>
+            <a:off x="2266815" y="4218711"/>
+            <a:ext cx="2139696" cy="344312"/>
+          </a:xfrm>
+        </p:spPr>
+        <p:txBody>
+          <a:bodyPr>
+            <a:normAutofit fontScale="92500" lnSpcReduction="20000"/>
+          </a:bodyPr>
+          <a:lstStyle/>
+          <a:p>
+            <a:r>
+              <a:rPr lang="en-US" dirty="0" smtClean="0"/>
+              <a:t>GitHub </a:t>
+            </a:r>
+            <a:r>
+              <a:rPr lang="en-US" dirty="0"/>
+              <a:t>Link -</a:t>
+            </a:r>
+            <a:endParaRPr lang="en-IN" dirty="0"/>
+          </a:p>
+        </p:txBody>
+      </p:sp>
+      <p:sp>
+        <p:nvSpPr>
+          <p:cNvPr id="2" name="Text Placeholder 1"/>
+          <p:cNvSpPr>
+            <a:spLocks noGrp="1"/>
+          </p:cNvSpPr>
+          <p:nvPr>
+            <p:ph type="body" sz="quarter" idx="11"/>
+          </p:nvPr>
+        </p:nvSpPr>
+        <p:spPr>
+          <a:xfrm>
+            <a:off x="2266815" y="3429358"/>
+            <a:ext cx="2139696" cy="344312"/>
           </a:xfrm>
         </p:spPr>
         <p:txBody>
@@ -13744,8 +13637,9 @@
           <a:p>
             <a:r>
               <a:rPr lang="en-US" dirty="0"/>
-              <a:t>.</a:t>
+              <a:t>Project Link -</a:t>
             </a:r>
+            <a:endParaRPr lang="en-IN" dirty="0"/>
           </a:p>
         </p:txBody>
       </p:sp>
@@ -14002,1033 +13896,6 @@
           </a:lstStyle>
           <a:p>
             <a:endParaRPr lang="en-IN" sz="2400" dirty="0"/>
-          </a:p>
-        </p:txBody>
-      </p:sp>
-      <p:sp>
-        <p:nvSpPr>
-          <p:cNvPr id="20" name="Text Placeholder 28">
-            <a:extLst>
-              <a:ext uri="{FF2B5EF4-FFF2-40B4-BE49-F238E27FC236}">
-                <a16:creationId xmlns:a16="http://schemas.microsoft.com/office/drawing/2014/main" id="{A09A5BC1-0E62-4E6B-A590-951A87D4B4FE}"/>
-              </a:ext>
-            </a:extLst>
-          </p:cNvPr>
-          <p:cNvSpPr txBox="1">
-            <a:spLocks/>
-          </p:cNvSpPr>
-          <p:nvPr/>
-        </p:nvSpPr>
-        <p:spPr>
-          <a:xfrm>
-            <a:off x="5353508" y="3962573"/>
-            <a:ext cx="2596574" cy="453919"/>
-          </a:xfrm>
-          <a:prstGeom prst="rect">
-            <a:avLst/>
-          </a:prstGeom>
-        </p:spPr>
-        <p:txBody>
-          <a:bodyPr vert="horz" lIns="91440" tIns="45720" rIns="91440" bIns="45720" rtlCol="0">
-            <a:normAutofit/>
-          </a:bodyPr>
-          <a:lstStyle>
-            <a:lvl1pPr marL="0" indent="0" algn="ctr" defTabSz="457200" rtl="0" eaLnBrk="1" latinLnBrk="0" hangingPunct="1">
-              <a:spcBef>
-                <a:spcPts val="1000"/>
-              </a:spcBef>
-              <a:spcAft>
-                <a:spcPts val="0"/>
-              </a:spcAft>
-              <a:buClr>
-                <a:schemeClr val="accent1"/>
-              </a:buClr>
-              <a:buSzPct val="80000"/>
-              <a:buFont typeface="Wingdings 3" charset="2"/>
-              <a:buNone/>
-              <a:defRPr lang="en-US" sz="2000" b="1" kern="1200" dirty="0" smtClean="0">
-                <a:solidFill>
-                  <a:schemeClr val="accent4"/>
-                </a:solidFill>
-                <a:latin typeface="+mj-lt"/>
-                <a:ea typeface="+mn-ea"/>
-                <a:cs typeface="+mn-cs"/>
-              </a:defRPr>
-            </a:lvl1pPr>
-            <a:lvl2pPr marL="742950" indent="-285750" algn="l" defTabSz="457200" rtl="0" eaLnBrk="1" latinLnBrk="0" hangingPunct="1">
-              <a:spcBef>
-                <a:spcPts val="1000"/>
-              </a:spcBef>
-              <a:spcAft>
-                <a:spcPts val="0"/>
-              </a:spcAft>
-              <a:buClr>
-                <a:schemeClr val="accent1"/>
-              </a:buClr>
-              <a:buSzPct val="80000"/>
-              <a:buFont typeface="Wingdings 3" charset="2"/>
-              <a:buChar char=""/>
-              <a:defRPr sz="1600" kern="1200">
-                <a:solidFill>
-                  <a:schemeClr val="tx1">
-                    <a:lumMod val="75000"/>
-                    <a:lumOff val="25000"/>
-                  </a:schemeClr>
-                </a:solidFill>
-                <a:latin typeface="+mn-lt"/>
-                <a:ea typeface="+mn-ea"/>
-                <a:cs typeface="+mn-cs"/>
-              </a:defRPr>
-            </a:lvl2pPr>
-            <a:lvl3pPr marL="1143000" indent="-228600" algn="l" defTabSz="457200" rtl="0" eaLnBrk="1" latinLnBrk="0" hangingPunct="1">
-              <a:spcBef>
-                <a:spcPts val="1000"/>
-              </a:spcBef>
-              <a:spcAft>
-                <a:spcPts val="0"/>
-              </a:spcAft>
-              <a:buClr>
-                <a:schemeClr val="accent1"/>
-              </a:buClr>
-              <a:buSzPct val="80000"/>
-              <a:buFont typeface="Wingdings 3" charset="2"/>
-              <a:buChar char=""/>
-              <a:defRPr sz="1400" kern="1200">
-                <a:solidFill>
-                  <a:schemeClr val="tx1">
-                    <a:lumMod val="75000"/>
-                    <a:lumOff val="25000"/>
-                  </a:schemeClr>
-                </a:solidFill>
-                <a:latin typeface="+mn-lt"/>
-                <a:ea typeface="+mn-ea"/>
-                <a:cs typeface="+mn-cs"/>
-              </a:defRPr>
-            </a:lvl3pPr>
-            <a:lvl4pPr marL="1600200" indent="-228600" algn="l" defTabSz="457200" rtl="0" eaLnBrk="1" latinLnBrk="0" hangingPunct="1">
-              <a:spcBef>
-                <a:spcPts val="1000"/>
-              </a:spcBef>
-              <a:spcAft>
-                <a:spcPts val="0"/>
-              </a:spcAft>
-              <a:buClr>
-                <a:schemeClr val="accent1"/>
-              </a:buClr>
-              <a:buSzPct val="80000"/>
-              <a:buFont typeface="Wingdings 3" charset="2"/>
-              <a:buChar char=""/>
-              <a:defRPr sz="1200" kern="1200">
-                <a:solidFill>
-                  <a:schemeClr val="tx1">
-                    <a:lumMod val="75000"/>
-                    <a:lumOff val="25000"/>
-                  </a:schemeClr>
-                </a:solidFill>
-                <a:latin typeface="+mn-lt"/>
-                <a:ea typeface="+mn-ea"/>
-                <a:cs typeface="+mn-cs"/>
-              </a:defRPr>
-            </a:lvl4pPr>
-            <a:lvl5pPr marL="2057400" indent="-228600" algn="l" defTabSz="457200" rtl="0" eaLnBrk="1" latinLnBrk="0" hangingPunct="1">
-              <a:spcBef>
-                <a:spcPts val="1000"/>
-              </a:spcBef>
-              <a:spcAft>
-                <a:spcPts val="0"/>
-              </a:spcAft>
-              <a:buClr>
-                <a:schemeClr val="accent1"/>
-              </a:buClr>
-              <a:buSzPct val="80000"/>
-              <a:buFont typeface="Wingdings 3" charset="2"/>
-              <a:buChar char=""/>
-              <a:defRPr sz="1200" kern="1200">
-                <a:solidFill>
-                  <a:schemeClr val="tx1">
-                    <a:lumMod val="75000"/>
-                    <a:lumOff val="25000"/>
-                  </a:schemeClr>
-                </a:solidFill>
-                <a:latin typeface="+mn-lt"/>
-                <a:ea typeface="+mn-ea"/>
-                <a:cs typeface="+mn-cs"/>
-              </a:defRPr>
-            </a:lvl5pPr>
-            <a:lvl6pPr marL="2514600" indent="-228600" algn="l" defTabSz="457200" rtl="0" eaLnBrk="1" latinLnBrk="0" hangingPunct="1">
-              <a:spcBef>
-                <a:spcPts val="1000"/>
-              </a:spcBef>
-              <a:spcAft>
-                <a:spcPts val="0"/>
-              </a:spcAft>
-              <a:buClr>
-                <a:schemeClr val="accent1"/>
-              </a:buClr>
-              <a:buSzPct val="80000"/>
-              <a:buFont typeface="Wingdings 3" charset="2"/>
-              <a:buChar char=""/>
-              <a:defRPr sz="1200" kern="1200">
-                <a:solidFill>
-                  <a:schemeClr val="tx1">
-                    <a:lumMod val="75000"/>
-                    <a:lumOff val="25000"/>
-                  </a:schemeClr>
-                </a:solidFill>
-                <a:latin typeface="+mn-lt"/>
-                <a:ea typeface="+mn-ea"/>
-                <a:cs typeface="+mn-cs"/>
-              </a:defRPr>
-            </a:lvl6pPr>
-            <a:lvl7pPr marL="2971800" indent="-228600" algn="l" defTabSz="457200" rtl="0" eaLnBrk="1" latinLnBrk="0" hangingPunct="1">
-              <a:spcBef>
-                <a:spcPts val="1000"/>
-              </a:spcBef>
-              <a:spcAft>
-                <a:spcPts val="0"/>
-              </a:spcAft>
-              <a:buClr>
-                <a:schemeClr val="accent1"/>
-              </a:buClr>
-              <a:buSzPct val="80000"/>
-              <a:buFont typeface="Wingdings 3" charset="2"/>
-              <a:buChar char=""/>
-              <a:defRPr sz="1200" kern="1200">
-                <a:solidFill>
-                  <a:schemeClr val="tx1">
-                    <a:lumMod val="75000"/>
-                    <a:lumOff val="25000"/>
-                  </a:schemeClr>
-                </a:solidFill>
-                <a:latin typeface="+mn-lt"/>
-                <a:ea typeface="+mn-ea"/>
-                <a:cs typeface="+mn-cs"/>
-              </a:defRPr>
-            </a:lvl7pPr>
-            <a:lvl8pPr marL="3429000" indent="-228600" algn="l" defTabSz="457200" rtl="0" eaLnBrk="1" latinLnBrk="0" hangingPunct="1">
-              <a:spcBef>
-                <a:spcPts val="1000"/>
-              </a:spcBef>
-              <a:spcAft>
-                <a:spcPts val="0"/>
-              </a:spcAft>
-              <a:buClr>
-                <a:schemeClr val="accent1"/>
-              </a:buClr>
-              <a:buSzPct val="80000"/>
-              <a:buFont typeface="Wingdings 3" charset="2"/>
-              <a:buChar char=""/>
-              <a:defRPr sz="1200" kern="1200">
-                <a:solidFill>
-                  <a:schemeClr val="tx1">
-                    <a:lumMod val="75000"/>
-                    <a:lumOff val="25000"/>
-                  </a:schemeClr>
-                </a:solidFill>
-                <a:latin typeface="+mn-lt"/>
-                <a:ea typeface="+mn-ea"/>
-                <a:cs typeface="+mn-cs"/>
-              </a:defRPr>
-            </a:lvl8pPr>
-            <a:lvl9pPr marL="3886200" indent="-228600" algn="l" defTabSz="457200" rtl="0" eaLnBrk="1" latinLnBrk="0" hangingPunct="1">
-              <a:spcBef>
-                <a:spcPts val="1000"/>
-              </a:spcBef>
-              <a:spcAft>
-                <a:spcPts val="0"/>
-              </a:spcAft>
-              <a:buClr>
-                <a:schemeClr val="accent1"/>
-              </a:buClr>
-              <a:buSzPct val="80000"/>
-              <a:buFont typeface="Wingdings 3" charset="2"/>
-              <a:buChar char=""/>
-              <a:defRPr sz="1200" kern="1200">
-                <a:solidFill>
-                  <a:schemeClr val="tx1">
-                    <a:lumMod val="75000"/>
-                    <a:lumOff val="25000"/>
-                  </a:schemeClr>
-                </a:solidFill>
-                <a:latin typeface="+mn-lt"/>
-                <a:ea typeface="+mn-ea"/>
-                <a:cs typeface="+mn-cs"/>
-              </a:defRPr>
-            </a:lvl9pPr>
-          </a:lstStyle>
-          <a:p>
-            <a:endParaRPr lang="en-IN" sz="2200" dirty="0"/>
-          </a:p>
-        </p:txBody>
-      </p:sp>
-      <p:sp>
-        <p:nvSpPr>
-          <p:cNvPr id="23" name="Text Placeholder 28">
-            <a:extLst>
-              <a:ext uri="{FF2B5EF4-FFF2-40B4-BE49-F238E27FC236}">
-                <a16:creationId xmlns:a16="http://schemas.microsoft.com/office/drawing/2014/main" id="{9E6B148F-F3B6-4E6B-9B85-645C039858E8}"/>
-              </a:ext>
-            </a:extLst>
-          </p:cNvPr>
-          <p:cNvSpPr txBox="1">
-            <a:spLocks/>
-          </p:cNvSpPr>
-          <p:nvPr/>
-        </p:nvSpPr>
-        <p:spPr>
-          <a:xfrm>
-            <a:off x="7789163" y="3962572"/>
-            <a:ext cx="2596574" cy="453919"/>
-          </a:xfrm>
-          <a:prstGeom prst="rect">
-            <a:avLst/>
-          </a:prstGeom>
-        </p:spPr>
-        <p:txBody>
-          <a:bodyPr vert="horz" lIns="91440" tIns="45720" rIns="91440" bIns="45720" rtlCol="0">
-            <a:normAutofit/>
-          </a:bodyPr>
-          <a:lstStyle>
-            <a:lvl1pPr marL="0" indent="0" algn="ctr" defTabSz="457200" rtl="0" eaLnBrk="1" latinLnBrk="0" hangingPunct="1">
-              <a:spcBef>
-                <a:spcPts val="1000"/>
-              </a:spcBef>
-              <a:spcAft>
-                <a:spcPts val="0"/>
-              </a:spcAft>
-              <a:buClr>
-                <a:schemeClr val="accent1"/>
-              </a:buClr>
-              <a:buSzPct val="80000"/>
-              <a:buFont typeface="Wingdings 3" charset="2"/>
-              <a:buNone/>
-              <a:defRPr lang="en-US" sz="2000" b="1" kern="1200" dirty="0" smtClean="0">
-                <a:solidFill>
-                  <a:schemeClr val="accent4"/>
-                </a:solidFill>
-                <a:latin typeface="+mj-lt"/>
-                <a:ea typeface="+mn-ea"/>
-                <a:cs typeface="+mn-cs"/>
-              </a:defRPr>
-            </a:lvl1pPr>
-            <a:lvl2pPr marL="742950" indent="-285750" algn="l" defTabSz="457200" rtl="0" eaLnBrk="1" latinLnBrk="0" hangingPunct="1">
-              <a:spcBef>
-                <a:spcPts val="1000"/>
-              </a:spcBef>
-              <a:spcAft>
-                <a:spcPts val="0"/>
-              </a:spcAft>
-              <a:buClr>
-                <a:schemeClr val="accent1"/>
-              </a:buClr>
-              <a:buSzPct val="80000"/>
-              <a:buFont typeface="Wingdings 3" charset="2"/>
-              <a:buChar char=""/>
-              <a:defRPr sz="1600" kern="1200">
-                <a:solidFill>
-                  <a:schemeClr val="tx1">
-                    <a:lumMod val="75000"/>
-                    <a:lumOff val="25000"/>
-                  </a:schemeClr>
-                </a:solidFill>
-                <a:latin typeface="+mn-lt"/>
-                <a:ea typeface="+mn-ea"/>
-                <a:cs typeface="+mn-cs"/>
-              </a:defRPr>
-            </a:lvl2pPr>
-            <a:lvl3pPr marL="1143000" indent="-228600" algn="l" defTabSz="457200" rtl="0" eaLnBrk="1" latinLnBrk="0" hangingPunct="1">
-              <a:spcBef>
-                <a:spcPts val="1000"/>
-              </a:spcBef>
-              <a:spcAft>
-                <a:spcPts val="0"/>
-              </a:spcAft>
-              <a:buClr>
-                <a:schemeClr val="accent1"/>
-              </a:buClr>
-              <a:buSzPct val="80000"/>
-              <a:buFont typeface="Wingdings 3" charset="2"/>
-              <a:buChar char=""/>
-              <a:defRPr sz="1400" kern="1200">
-                <a:solidFill>
-                  <a:schemeClr val="tx1">
-                    <a:lumMod val="75000"/>
-                    <a:lumOff val="25000"/>
-                  </a:schemeClr>
-                </a:solidFill>
-                <a:latin typeface="+mn-lt"/>
-                <a:ea typeface="+mn-ea"/>
-                <a:cs typeface="+mn-cs"/>
-              </a:defRPr>
-            </a:lvl3pPr>
-            <a:lvl4pPr marL="1600200" indent="-228600" algn="l" defTabSz="457200" rtl="0" eaLnBrk="1" latinLnBrk="0" hangingPunct="1">
-              <a:spcBef>
-                <a:spcPts val="1000"/>
-              </a:spcBef>
-              <a:spcAft>
-                <a:spcPts val="0"/>
-              </a:spcAft>
-              <a:buClr>
-                <a:schemeClr val="accent1"/>
-              </a:buClr>
-              <a:buSzPct val="80000"/>
-              <a:buFont typeface="Wingdings 3" charset="2"/>
-              <a:buChar char=""/>
-              <a:defRPr sz="1200" kern="1200">
-                <a:solidFill>
-                  <a:schemeClr val="tx1">
-                    <a:lumMod val="75000"/>
-                    <a:lumOff val="25000"/>
-                  </a:schemeClr>
-                </a:solidFill>
-                <a:latin typeface="+mn-lt"/>
-                <a:ea typeface="+mn-ea"/>
-                <a:cs typeface="+mn-cs"/>
-              </a:defRPr>
-            </a:lvl4pPr>
-            <a:lvl5pPr marL="2057400" indent="-228600" algn="l" defTabSz="457200" rtl="0" eaLnBrk="1" latinLnBrk="0" hangingPunct="1">
-              <a:spcBef>
-                <a:spcPts val="1000"/>
-              </a:spcBef>
-              <a:spcAft>
-                <a:spcPts val="0"/>
-              </a:spcAft>
-              <a:buClr>
-                <a:schemeClr val="accent1"/>
-              </a:buClr>
-              <a:buSzPct val="80000"/>
-              <a:buFont typeface="Wingdings 3" charset="2"/>
-              <a:buChar char=""/>
-              <a:defRPr sz="1200" kern="1200">
-                <a:solidFill>
-                  <a:schemeClr val="tx1">
-                    <a:lumMod val="75000"/>
-                    <a:lumOff val="25000"/>
-                  </a:schemeClr>
-                </a:solidFill>
-                <a:latin typeface="+mn-lt"/>
-                <a:ea typeface="+mn-ea"/>
-                <a:cs typeface="+mn-cs"/>
-              </a:defRPr>
-            </a:lvl5pPr>
-            <a:lvl6pPr marL="2514600" indent="-228600" algn="l" defTabSz="457200" rtl="0" eaLnBrk="1" latinLnBrk="0" hangingPunct="1">
-              <a:spcBef>
-                <a:spcPts val="1000"/>
-              </a:spcBef>
-              <a:spcAft>
-                <a:spcPts val="0"/>
-              </a:spcAft>
-              <a:buClr>
-                <a:schemeClr val="accent1"/>
-              </a:buClr>
-              <a:buSzPct val="80000"/>
-              <a:buFont typeface="Wingdings 3" charset="2"/>
-              <a:buChar char=""/>
-              <a:defRPr sz="1200" kern="1200">
-                <a:solidFill>
-                  <a:schemeClr val="tx1">
-                    <a:lumMod val="75000"/>
-                    <a:lumOff val="25000"/>
-                  </a:schemeClr>
-                </a:solidFill>
-                <a:latin typeface="+mn-lt"/>
-                <a:ea typeface="+mn-ea"/>
-                <a:cs typeface="+mn-cs"/>
-              </a:defRPr>
-            </a:lvl6pPr>
-            <a:lvl7pPr marL="2971800" indent="-228600" algn="l" defTabSz="457200" rtl="0" eaLnBrk="1" latinLnBrk="0" hangingPunct="1">
-              <a:spcBef>
-                <a:spcPts val="1000"/>
-              </a:spcBef>
-              <a:spcAft>
-                <a:spcPts val="0"/>
-              </a:spcAft>
-              <a:buClr>
-                <a:schemeClr val="accent1"/>
-              </a:buClr>
-              <a:buSzPct val="80000"/>
-              <a:buFont typeface="Wingdings 3" charset="2"/>
-              <a:buChar char=""/>
-              <a:defRPr sz="1200" kern="1200">
-                <a:solidFill>
-                  <a:schemeClr val="tx1">
-                    <a:lumMod val="75000"/>
-                    <a:lumOff val="25000"/>
-                  </a:schemeClr>
-                </a:solidFill>
-                <a:latin typeface="+mn-lt"/>
-                <a:ea typeface="+mn-ea"/>
-                <a:cs typeface="+mn-cs"/>
-              </a:defRPr>
-            </a:lvl7pPr>
-            <a:lvl8pPr marL="3429000" indent="-228600" algn="l" defTabSz="457200" rtl="0" eaLnBrk="1" latinLnBrk="0" hangingPunct="1">
-              <a:spcBef>
-                <a:spcPts val="1000"/>
-              </a:spcBef>
-              <a:spcAft>
-                <a:spcPts val="0"/>
-              </a:spcAft>
-              <a:buClr>
-                <a:schemeClr val="accent1"/>
-              </a:buClr>
-              <a:buSzPct val="80000"/>
-              <a:buFont typeface="Wingdings 3" charset="2"/>
-              <a:buChar char=""/>
-              <a:defRPr sz="1200" kern="1200">
-                <a:solidFill>
-                  <a:schemeClr val="tx1">
-                    <a:lumMod val="75000"/>
-                    <a:lumOff val="25000"/>
-                  </a:schemeClr>
-                </a:solidFill>
-                <a:latin typeface="+mn-lt"/>
-                <a:ea typeface="+mn-ea"/>
-                <a:cs typeface="+mn-cs"/>
-              </a:defRPr>
-            </a:lvl8pPr>
-            <a:lvl9pPr marL="3886200" indent="-228600" algn="l" defTabSz="457200" rtl="0" eaLnBrk="1" latinLnBrk="0" hangingPunct="1">
-              <a:spcBef>
-                <a:spcPts val="1000"/>
-              </a:spcBef>
-              <a:spcAft>
-                <a:spcPts val="0"/>
-              </a:spcAft>
-              <a:buClr>
-                <a:schemeClr val="accent1"/>
-              </a:buClr>
-              <a:buSzPct val="80000"/>
-              <a:buFont typeface="Wingdings 3" charset="2"/>
-              <a:buChar char=""/>
-              <a:defRPr sz="1200" kern="1200">
-                <a:solidFill>
-                  <a:schemeClr val="tx1">
-                    <a:lumMod val="75000"/>
-                    <a:lumOff val="25000"/>
-                  </a:schemeClr>
-                </a:solidFill>
-                <a:latin typeface="+mn-lt"/>
-                <a:ea typeface="+mn-ea"/>
-                <a:cs typeface="+mn-cs"/>
-              </a:defRPr>
-            </a:lvl9pPr>
-          </a:lstStyle>
-          <a:p>
-            <a:endParaRPr lang="en-IN" sz="2200" dirty="0"/>
-          </a:p>
-        </p:txBody>
-      </p:sp>
-      <p:sp>
-        <p:nvSpPr>
-          <p:cNvPr id="30" name="Text Placeholder 30">
-            <a:extLst>
-              <a:ext uri="{FF2B5EF4-FFF2-40B4-BE49-F238E27FC236}">
-                <a16:creationId xmlns:a16="http://schemas.microsoft.com/office/drawing/2014/main" id="{D3BF02F6-2753-476A-8046-A85AE3A49748}"/>
-              </a:ext>
-            </a:extLst>
-          </p:cNvPr>
-          <p:cNvSpPr txBox="1">
-            <a:spLocks/>
-          </p:cNvSpPr>
-          <p:nvPr/>
-        </p:nvSpPr>
-        <p:spPr>
-          <a:xfrm>
-            <a:off x="6096000" y="4641925"/>
-            <a:ext cx="2139695" cy="1108635"/>
-          </a:xfrm>
-          <a:prstGeom prst="rect">
-            <a:avLst/>
-          </a:prstGeom>
-        </p:spPr>
-        <p:txBody>
-          <a:bodyPr vert="horz" lIns="91440" tIns="45720" rIns="91440" bIns="45720" rtlCol="0">
-            <a:normAutofit/>
-          </a:bodyPr>
-          <a:lstStyle>
-            <a:lvl1pPr marL="0" indent="0" algn="ctr" defTabSz="457200" rtl="0" eaLnBrk="1" latinLnBrk="0" hangingPunct="1">
-              <a:spcBef>
-                <a:spcPts val="1000"/>
-              </a:spcBef>
-              <a:spcAft>
-                <a:spcPts val="0"/>
-              </a:spcAft>
-              <a:buClr>
-                <a:schemeClr val="accent1"/>
-              </a:buClr>
-              <a:buSzPct val="80000"/>
-              <a:buFont typeface="Wingdings 3" charset="2"/>
-              <a:buNone/>
-              <a:defRPr lang="en-US" sz="1600" kern="1200" dirty="0" smtClean="0">
-                <a:solidFill>
-                  <a:schemeClr val="tx1"/>
-                </a:solidFill>
-                <a:latin typeface="+mn-lt"/>
-                <a:ea typeface="+mn-ea"/>
-                <a:cs typeface="+mn-cs"/>
-              </a:defRPr>
-            </a:lvl1pPr>
-            <a:lvl2pPr marL="742950" indent="-285750" algn="l" defTabSz="457200" rtl="0" eaLnBrk="1" latinLnBrk="0" hangingPunct="1">
-              <a:spcBef>
-                <a:spcPts val="1000"/>
-              </a:spcBef>
-              <a:spcAft>
-                <a:spcPts val="0"/>
-              </a:spcAft>
-              <a:buClr>
-                <a:schemeClr val="accent1"/>
-              </a:buClr>
-              <a:buSzPct val="80000"/>
-              <a:buFont typeface="Wingdings 3" charset="2"/>
-              <a:buChar char=""/>
-              <a:defRPr sz="1600" kern="1200">
-                <a:solidFill>
-                  <a:schemeClr val="tx1">
-                    <a:lumMod val="75000"/>
-                    <a:lumOff val="25000"/>
-                  </a:schemeClr>
-                </a:solidFill>
-                <a:latin typeface="+mn-lt"/>
-                <a:ea typeface="+mn-ea"/>
-                <a:cs typeface="+mn-cs"/>
-              </a:defRPr>
-            </a:lvl2pPr>
-            <a:lvl3pPr marL="1143000" indent="-228600" algn="l" defTabSz="457200" rtl="0" eaLnBrk="1" latinLnBrk="0" hangingPunct="1">
-              <a:spcBef>
-                <a:spcPts val="1000"/>
-              </a:spcBef>
-              <a:spcAft>
-                <a:spcPts val="0"/>
-              </a:spcAft>
-              <a:buClr>
-                <a:schemeClr val="accent1"/>
-              </a:buClr>
-              <a:buSzPct val="80000"/>
-              <a:buFont typeface="Wingdings 3" charset="2"/>
-              <a:buChar char=""/>
-              <a:defRPr sz="1400" kern="1200">
-                <a:solidFill>
-                  <a:schemeClr val="tx1">
-                    <a:lumMod val="75000"/>
-                    <a:lumOff val="25000"/>
-                  </a:schemeClr>
-                </a:solidFill>
-                <a:latin typeface="+mn-lt"/>
-                <a:ea typeface="+mn-ea"/>
-                <a:cs typeface="+mn-cs"/>
-              </a:defRPr>
-            </a:lvl3pPr>
-            <a:lvl4pPr marL="1600200" indent="-228600" algn="l" defTabSz="457200" rtl="0" eaLnBrk="1" latinLnBrk="0" hangingPunct="1">
-              <a:spcBef>
-                <a:spcPts val="1000"/>
-              </a:spcBef>
-              <a:spcAft>
-                <a:spcPts val="0"/>
-              </a:spcAft>
-              <a:buClr>
-                <a:schemeClr val="accent1"/>
-              </a:buClr>
-              <a:buSzPct val="80000"/>
-              <a:buFont typeface="Wingdings 3" charset="2"/>
-              <a:buChar char=""/>
-              <a:defRPr sz="1200" kern="1200">
-                <a:solidFill>
-                  <a:schemeClr val="tx1">
-                    <a:lumMod val="75000"/>
-                    <a:lumOff val="25000"/>
-                  </a:schemeClr>
-                </a:solidFill>
-                <a:latin typeface="+mn-lt"/>
-                <a:ea typeface="+mn-ea"/>
-                <a:cs typeface="+mn-cs"/>
-              </a:defRPr>
-            </a:lvl4pPr>
-            <a:lvl5pPr marL="2057400" indent="-228600" algn="l" defTabSz="457200" rtl="0" eaLnBrk="1" latinLnBrk="0" hangingPunct="1">
-              <a:spcBef>
-                <a:spcPts val="1000"/>
-              </a:spcBef>
-              <a:spcAft>
-                <a:spcPts val="0"/>
-              </a:spcAft>
-              <a:buClr>
-                <a:schemeClr val="accent1"/>
-              </a:buClr>
-              <a:buSzPct val="80000"/>
-              <a:buFont typeface="Wingdings 3" charset="2"/>
-              <a:buChar char=""/>
-              <a:defRPr sz="1200" kern="1200">
-                <a:solidFill>
-                  <a:schemeClr val="tx1">
-                    <a:lumMod val="75000"/>
-                    <a:lumOff val="25000"/>
-                  </a:schemeClr>
-                </a:solidFill>
-                <a:latin typeface="+mn-lt"/>
-                <a:ea typeface="+mn-ea"/>
-                <a:cs typeface="+mn-cs"/>
-              </a:defRPr>
-            </a:lvl5pPr>
-            <a:lvl6pPr marL="2514600" indent="-228600" algn="l" defTabSz="457200" rtl="0" eaLnBrk="1" latinLnBrk="0" hangingPunct="1">
-              <a:spcBef>
-                <a:spcPts val="1000"/>
-              </a:spcBef>
-              <a:spcAft>
-                <a:spcPts val="0"/>
-              </a:spcAft>
-              <a:buClr>
-                <a:schemeClr val="accent1"/>
-              </a:buClr>
-              <a:buSzPct val="80000"/>
-              <a:buFont typeface="Wingdings 3" charset="2"/>
-              <a:buChar char=""/>
-              <a:defRPr sz="1200" kern="1200">
-                <a:solidFill>
-                  <a:schemeClr val="tx1">
-                    <a:lumMod val="75000"/>
-                    <a:lumOff val="25000"/>
-                  </a:schemeClr>
-                </a:solidFill>
-                <a:latin typeface="+mn-lt"/>
-                <a:ea typeface="+mn-ea"/>
-                <a:cs typeface="+mn-cs"/>
-              </a:defRPr>
-            </a:lvl6pPr>
-            <a:lvl7pPr marL="2971800" indent="-228600" algn="l" defTabSz="457200" rtl="0" eaLnBrk="1" latinLnBrk="0" hangingPunct="1">
-              <a:spcBef>
-                <a:spcPts val="1000"/>
-              </a:spcBef>
-              <a:spcAft>
-                <a:spcPts val="0"/>
-              </a:spcAft>
-              <a:buClr>
-                <a:schemeClr val="accent1"/>
-              </a:buClr>
-              <a:buSzPct val="80000"/>
-              <a:buFont typeface="Wingdings 3" charset="2"/>
-              <a:buChar char=""/>
-              <a:defRPr sz="1200" kern="1200">
-                <a:solidFill>
-                  <a:schemeClr val="tx1">
-                    <a:lumMod val="75000"/>
-                    <a:lumOff val="25000"/>
-                  </a:schemeClr>
-                </a:solidFill>
-                <a:latin typeface="+mn-lt"/>
-                <a:ea typeface="+mn-ea"/>
-                <a:cs typeface="+mn-cs"/>
-              </a:defRPr>
-            </a:lvl7pPr>
-            <a:lvl8pPr marL="3429000" indent="-228600" algn="l" defTabSz="457200" rtl="0" eaLnBrk="1" latinLnBrk="0" hangingPunct="1">
-              <a:spcBef>
-                <a:spcPts val="1000"/>
-              </a:spcBef>
-              <a:spcAft>
-                <a:spcPts val="0"/>
-              </a:spcAft>
-              <a:buClr>
-                <a:schemeClr val="accent1"/>
-              </a:buClr>
-              <a:buSzPct val="80000"/>
-              <a:buFont typeface="Wingdings 3" charset="2"/>
-              <a:buChar char=""/>
-              <a:defRPr sz="1200" kern="1200">
-                <a:solidFill>
-                  <a:schemeClr val="tx1">
-                    <a:lumMod val="75000"/>
-                    <a:lumOff val="25000"/>
-                  </a:schemeClr>
-                </a:solidFill>
-                <a:latin typeface="+mn-lt"/>
-                <a:ea typeface="+mn-ea"/>
-                <a:cs typeface="+mn-cs"/>
-              </a:defRPr>
-            </a:lvl8pPr>
-            <a:lvl9pPr marL="3886200" indent="-228600" algn="l" defTabSz="457200" rtl="0" eaLnBrk="1" latinLnBrk="0" hangingPunct="1">
-              <a:spcBef>
-                <a:spcPts val="1000"/>
-              </a:spcBef>
-              <a:spcAft>
-                <a:spcPts val="0"/>
-              </a:spcAft>
-              <a:buClr>
-                <a:schemeClr val="accent1"/>
-              </a:buClr>
-              <a:buSzPct val="80000"/>
-              <a:buFont typeface="Wingdings 3" charset="2"/>
-              <a:buChar char=""/>
-              <a:defRPr sz="1200" kern="1200">
-                <a:solidFill>
-                  <a:schemeClr val="tx1">
-                    <a:lumMod val="75000"/>
-                    <a:lumOff val="25000"/>
-                  </a:schemeClr>
-                </a:solidFill>
-                <a:latin typeface="+mn-lt"/>
-                <a:ea typeface="+mn-ea"/>
-                <a:cs typeface="+mn-cs"/>
-              </a:defRPr>
-            </a:lvl9pPr>
-          </a:lstStyle>
-          <a:p>
-            <a:endParaRPr lang="en-GB" dirty="0"/>
-          </a:p>
-        </p:txBody>
-      </p:sp>
-      <p:sp>
-        <p:nvSpPr>
-          <p:cNvPr id="32" name="Text Placeholder 30">
-            <a:extLst>
-              <a:ext uri="{FF2B5EF4-FFF2-40B4-BE49-F238E27FC236}">
-                <a16:creationId xmlns:a16="http://schemas.microsoft.com/office/drawing/2014/main" id="{B993AB29-3A3A-4473-8AC8-86E859C97321}"/>
-              </a:ext>
-            </a:extLst>
-          </p:cNvPr>
-          <p:cNvSpPr txBox="1">
-            <a:spLocks/>
-          </p:cNvSpPr>
-          <p:nvPr/>
-        </p:nvSpPr>
-        <p:spPr>
-          <a:xfrm>
-            <a:off x="8591363" y="4641925"/>
-            <a:ext cx="2139695" cy="1108635"/>
-          </a:xfrm>
-          <a:prstGeom prst="rect">
-            <a:avLst/>
-          </a:prstGeom>
-        </p:spPr>
-        <p:txBody>
-          <a:bodyPr vert="horz" lIns="91440" tIns="45720" rIns="91440" bIns="45720" rtlCol="0">
-            <a:normAutofit/>
-          </a:bodyPr>
-          <a:lstStyle>
-            <a:lvl1pPr marL="0" indent="0" algn="ctr" defTabSz="457200" rtl="0" eaLnBrk="1" latinLnBrk="0" hangingPunct="1">
-              <a:spcBef>
-                <a:spcPts val="1000"/>
-              </a:spcBef>
-              <a:spcAft>
-                <a:spcPts val="0"/>
-              </a:spcAft>
-              <a:buClr>
-                <a:schemeClr val="accent1"/>
-              </a:buClr>
-              <a:buSzPct val="80000"/>
-              <a:buFont typeface="Wingdings 3" charset="2"/>
-              <a:buNone/>
-              <a:defRPr lang="en-US" sz="1600" kern="1200" dirty="0" smtClean="0">
-                <a:solidFill>
-                  <a:schemeClr val="tx1"/>
-                </a:solidFill>
-                <a:latin typeface="+mn-lt"/>
-                <a:ea typeface="+mn-ea"/>
-                <a:cs typeface="+mn-cs"/>
-              </a:defRPr>
-            </a:lvl1pPr>
-            <a:lvl2pPr marL="742950" indent="-285750" algn="l" defTabSz="457200" rtl="0" eaLnBrk="1" latinLnBrk="0" hangingPunct="1">
-              <a:spcBef>
-                <a:spcPts val="1000"/>
-              </a:spcBef>
-              <a:spcAft>
-                <a:spcPts val="0"/>
-              </a:spcAft>
-              <a:buClr>
-                <a:schemeClr val="accent1"/>
-              </a:buClr>
-              <a:buSzPct val="80000"/>
-              <a:buFont typeface="Wingdings 3" charset="2"/>
-              <a:buChar char=""/>
-              <a:defRPr sz="1600" kern="1200">
-                <a:solidFill>
-                  <a:schemeClr val="tx1">
-                    <a:lumMod val="75000"/>
-                    <a:lumOff val="25000"/>
-                  </a:schemeClr>
-                </a:solidFill>
-                <a:latin typeface="+mn-lt"/>
-                <a:ea typeface="+mn-ea"/>
-                <a:cs typeface="+mn-cs"/>
-              </a:defRPr>
-            </a:lvl2pPr>
-            <a:lvl3pPr marL="1143000" indent="-228600" algn="l" defTabSz="457200" rtl="0" eaLnBrk="1" latinLnBrk="0" hangingPunct="1">
-              <a:spcBef>
-                <a:spcPts val="1000"/>
-              </a:spcBef>
-              <a:spcAft>
-                <a:spcPts val="0"/>
-              </a:spcAft>
-              <a:buClr>
-                <a:schemeClr val="accent1"/>
-              </a:buClr>
-              <a:buSzPct val="80000"/>
-              <a:buFont typeface="Wingdings 3" charset="2"/>
-              <a:buChar char=""/>
-              <a:defRPr sz="1400" kern="1200">
-                <a:solidFill>
-                  <a:schemeClr val="tx1">
-                    <a:lumMod val="75000"/>
-                    <a:lumOff val="25000"/>
-                  </a:schemeClr>
-                </a:solidFill>
-                <a:latin typeface="+mn-lt"/>
-                <a:ea typeface="+mn-ea"/>
-                <a:cs typeface="+mn-cs"/>
-              </a:defRPr>
-            </a:lvl3pPr>
-            <a:lvl4pPr marL="1600200" indent="-228600" algn="l" defTabSz="457200" rtl="0" eaLnBrk="1" latinLnBrk="0" hangingPunct="1">
-              <a:spcBef>
-                <a:spcPts val="1000"/>
-              </a:spcBef>
-              <a:spcAft>
-                <a:spcPts val="0"/>
-              </a:spcAft>
-              <a:buClr>
-                <a:schemeClr val="accent1"/>
-              </a:buClr>
-              <a:buSzPct val="80000"/>
-              <a:buFont typeface="Wingdings 3" charset="2"/>
-              <a:buChar char=""/>
-              <a:defRPr sz="1200" kern="1200">
-                <a:solidFill>
-                  <a:schemeClr val="tx1">
-                    <a:lumMod val="75000"/>
-                    <a:lumOff val="25000"/>
-                  </a:schemeClr>
-                </a:solidFill>
-                <a:latin typeface="+mn-lt"/>
-                <a:ea typeface="+mn-ea"/>
-                <a:cs typeface="+mn-cs"/>
-              </a:defRPr>
-            </a:lvl4pPr>
-            <a:lvl5pPr marL="2057400" indent="-228600" algn="l" defTabSz="457200" rtl="0" eaLnBrk="1" latinLnBrk="0" hangingPunct="1">
-              <a:spcBef>
-                <a:spcPts val="1000"/>
-              </a:spcBef>
-              <a:spcAft>
-                <a:spcPts val="0"/>
-              </a:spcAft>
-              <a:buClr>
-                <a:schemeClr val="accent1"/>
-              </a:buClr>
-              <a:buSzPct val="80000"/>
-              <a:buFont typeface="Wingdings 3" charset="2"/>
-              <a:buChar char=""/>
-              <a:defRPr sz="1200" kern="1200">
-                <a:solidFill>
-                  <a:schemeClr val="tx1">
-                    <a:lumMod val="75000"/>
-                    <a:lumOff val="25000"/>
-                  </a:schemeClr>
-                </a:solidFill>
-                <a:latin typeface="+mn-lt"/>
-                <a:ea typeface="+mn-ea"/>
-                <a:cs typeface="+mn-cs"/>
-              </a:defRPr>
-            </a:lvl5pPr>
-            <a:lvl6pPr marL="2514600" indent="-228600" algn="l" defTabSz="457200" rtl="0" eaLnBrk="1" latinLnBrk="0" hangingPunct="1">
-              <a:spcBef>
-                <a:spcPts val="1000"/>
-              </a:spcBef>
-              <a:spcAft>
-                <a:spcPts val="0"/>
-              </a:spcAft>
-              <a:buClr>
-                <a:schemeClr val="accent1"/>
-              </a:buClr>
-              <a:buSzPct val="80000"/>
-              <a:buFont typeface="Wingdings 3" charset="2"/>
-              <a:buChar char=""/>
-              <a:defRPr sz="1200" kern="1200">
-                <a:solidFill>
-                  <a:schemeClr val="tx1">
-                    <a:lumMod val="75000"/>
-                    <a:lumOff val="25000"/>
-                  </a:schemeClr>
-                </a:solidFill>
-                <a:latin typeface="+mn-lt"/>
-                <a:ea typeface="+mn-ea"/>
-                <a:cs typeface="+mn-cs"/>
-              </a:defRPr>
-            </a:lvl6pPr>
-            <a:lvl7pPr marL="2971800" indent="-228600" algn="l" defTabSz="457200" rtl="0" eaLnBrk="1" latinLnBrk="0" hangingPunct="1">
-              <a:spcBef>
-                <a:spcPts val="1000"/>
-              </a:spcBef>
-              <a:spcAft>
-                <a:spcPts val="0"/>
-              </a:spcAft>
-              <a:buClr>
-                <a:schemeClr val="accent1"/>
-              </a:buClr>
-              <a:buSzPct val="80000"/>
-              <a:buFont typeface="Wingdings 3" charset="2"/>
-              <a:buChar char=""/>
-              <a:defRPr sz="1200" kern="1200">
-                <a:solidFill>
-                  <a:schemeClr val="tx1">
-                    <a:lumMod val="75000"/>
-                    <a:lumOff val="25000"/>
-                  </a:schemeClr>
-                </a:solidFill>
-                <a:latin typeface="+mn-lt"/>
-                <a:ea typeface="+mn-ea"/>
-                <a:cs typeface="+mn-cs"/>
-              </a:defRPr>
-            </a:lvl7pPr>
-            <a:lvl8pPr marL="3429000" indent="-228600" algn="l" defTabSz="457200" rtl="0" eaLnBrk="1" latinLnBrk="0" hangingPunct="1">
-              <a:spcBef>
-                <a:spcPts val="1000"/>
-              </a:spcBef>
-              <a:spcAft>
-                <a:spcPts val="0"/>
-              </a:spcAft>
-              <a:buClr>
-                <a:schemeClr val="accent1"/>
-              </a:buClr>
-              <a:buSzPct val="80000"/>
-              <a:buFont typeface="Wingdings 3" charset="2"/>
-              <a:buChar char=""/>
-              <a:defRPr sz="1200" kern="1200">
-                <a:solidFill>
-                  <a:schemeClr val="tx1">
-                    <a:lumMod val="75000"/>
-                    <a:lumOff val="25000"/>
-                  </a:schemeClr>
-                </a:solidFill>
-                <a:latin typeface="+mn-lt"/>
-                <a:ea typeface="+mn-ea"/>
-                <a:cs typeface="+mn-cs"/>
-              </a:defRPr>
-            </a:lvl8pPr>
-            <a:lvl9pPr marL="3886200" indent="-228600" algn="l" defTabSz="457200" rtl="0" eaLnBrk="1" latinLnBrk="0" hangingPunct="1">
-              <a:spcBef>
-                <a:spcPts val="1000"/>
-              </a:spcBef>
-              <a:spcAft>
-                <a:spcPts val="0"/>
-              </a:spcAft>
-              <a:buClr>
-                <a:schemeClr val="accent1"/>
-              </a:buClr>
-              <a:buSzPct val="80000"/>
-              <a:buFont typeface="Wingdings 3" charset="2"/>
-              <a:buChar char=""/>
-              <a:defRPr sz="1200" kern="1200">
-                <a:solidFill>
-                  <a:schemeClr val="tx1">
-                    <a:lumMod val="75000"/>
-                    <a:lumOff val="25000"/>
-                  </a:schemeClr>
-                </a:solidFill>
-                <a:latin typeface="+mn-lt"/>
-                <a:ea typeface="+mn-ea"/>
-                <a:cs typeface="+mn-cs"/>
-              </a:defRPr>
-            </a:lvl9pPr>
-          </a:lstStyle>
-          <a:p>
-            <a:r>
-              <a:rPr lang="en-GB" dirty="0"/>
-              <a:t>.</a:t>
-            </a:r>
           </a:p>
         </p:txBody>
       </p:sp>
@@ -15069,37 +13936,26 @@
         </p:nvSpPr>
         <p:spPr>
           <a:xfrm>
-            <a:off x="2707093" y="2315320"/>
-            <a:ext cx="6096000" cy="923330"/>
+            <a:off x="4577574" y="3309126"/>
+            <a:ext cx="5075228" cy="584775"/>
           </a:xfrm>
           <a:prstGeom prst="rect">
             <a:avLst/>
           </a:prstGeom>
         </p:spPr>
         <p:txBody>
-          <a:bodyPr>
+          <a:bodyPr wrap="square">
             <a:spAutoFit/>
           </a:bodyPr>
           <a:lstStyle/>
           <a:p>
-            <a:pPr algn="ctr"/>
+            <a:pPr algn="just"/>
             <a:r>
-              <a:rPr lang="en-US" dirty="0" smtClean="0"/>
-              <a:t>Project Link </a:t>
-            </a:r>
-            <a:r>
-              <a:rPr lang="en-US" dirty="0"/>
-              <a:t>- </a:t>
-            </a:r>
-            <a:endParaRPr lang="en-IN" dirty="0" smtClean="0"/>
-          </a:p>
-          <a:p>
-            <a:r>
-              <a:rPr lang="en-IN" dirty="0" smtClean="0"/>
+              <a:rPr lang="en-IN" sz="1600" dirty="0" smtClean="0"/>
               <a:t>https</a:t>
             </a:r>
             <a:r>
-              <a:rPr lang="en-IN" dirty="0"/>
+              <a:rPr lang="en-IN" sz="1600" dirty="0"/>
               <a:t>://app.powerbi.com/links/x6xJvu_o01?ctid=41ef9d53-cb31-4b40-a55d-0893334a4059&amp;pbi_source=linkShare</a:t>
             </a:r>
           </a:p>
@@ -15113,8 +13969,8 @@
         </p:nvSpPr>
         <p:spPr>
           <a:xfrm>
-            <a:off x="2819082" y="3402855"/>
-            <a:ext cx="6096000" cy="923330"/>
+            <a:off x="4406511" y="4218711"/>
+            <a:ext cx="6096000" cy="338554"/>
           </a:xfrm>
           <a:prstGeom prst="rect">
             <a:avLst/>
@@ -15126,26 +13982,15 @@
           </a:bodyPr>
           <a:lstStyle/>
           <a:p>
-            <a:pPr algn="ctr"/>
             <a:r>
-              <a:rPr lang="en-US" dirty="0" smtClean="0"/>
-              <a:t>GitHub Link </a:t>
-            </a:r>
-            <a:r>
-              <a:rPr lang="en-US" dirty="0"/>
-              <a:t>- </a:t>
-            </a:r>
-            <a:endParaRPr lang="en-IN" dirty="0" smtClean="0"/>
-          </a:p>
-          <a:p>
-            <a:r>
-              <a:rPr lang="en-IN" dirty="0" smtClean="0"/>
+              <a:rPr lang="en-IN" sz="1600" dirty="0" smtClean="0"/>
               <a:t>https</a:t>
             </a:r>
             <a:r>
-              <a:rPr lang="en-IN" dirty="0"/>
-              <a:t>://app.powerbi.com/links/x6xJvu_o01?ctid=41ef9d53-cb31-4b40-a55d-0893334a4059&amp;pbi_source=linkShare</a:t>
+              <a:rPr lang="en-IN" sz="1600" dirty="0"/>
+              <a:t>://github.com/Dipan46/Sales-Insights-Data-Analysis-Project.git</a:t>
             </a:r>
+            <a:endParaRPr lang="en-IN" sz="1600" dirty="0"/>
           </a:p>
         </p:txBody>
       </p:sp>
@@ -15347,413 +14192,6 @@
                       </p:childTnLst>
                     </p:cTn>
                   </p:par>
-                  <p:par>
-                    <p:cTn id="16" fill="hold">
-                      <p:stCondLst>
-                        <p:cond delay="indefinite"/>
-                      </p:stCondLst>
-                      <p:childTnLst>
-                        <p:par>
-                          <p:cTn id="17" fill="hold">
-                            <p:stCondLst>
-                              <p:cond delay="0"/>
-                            </p:stCondLst>
-                            <p:childTnLst>
-                              <p:par>
-                                <p:cTn id="18" presetID="12" presetClass="entr" presetSubtype="4" fill="hold" grpId="0" nodeType="clickEffect">
-                                  <p:stCondLst>
-                                    <p:cond delay="0"/>
-                                  </p:stCondLst>
-                                  <p:childTnLst>
-                                    <p:set>
-                                      <p:cBhvr>
-                                        <p:cTn id="19" dur="1" fill="hold">
-                                          <p:stCondLst>
-                                            <p:cond delay="0"/>
-                                          </p:stCondLst>
-                                        </p:cTn>
-                                        <p:tgtEl>
-                                          <p:spTgt spid="31">
-                                            <p:txEl>
-                                              <p:pRg st="0" end="0"/>
-                                            </p:txEl>
-                                          </p:spTgt>
-                                        </p:tgtEl>
-                                        <p:attrNameLst>
-                                          <p:attrName>style.visibility</p:attrName>
-                                        </p:attrNameLst>
-                                      </p:cBhvr>
-                                      <p:to>
-                                        <p:strVal val="visible"/>
-                                      </p:to>
-                                    </p:set>
-                                    <p:anim calcmode="lin" valueType="num">
-                                      <p:cBhvr additive="base">
-                                        <p:cTn id="20" dur="500"/>
-                                        <p:tgtEl>
-                                          <p:spTgt spid="31">
-                                            <p:txEl>
-                                              <p:pRg st="0" end="0"/>
-                                            </p:txEl>
-                                          </p:spTgt>
-                                        </p:tgtEl>
-                                        <p:attrNameLst>
-                                          <p:attrName>ppt_y</p:attrName>
-                                        </p:attrNameLst>
-                                      </p:cBhvr>
-                                      <p:tavLst>
-                                        <p:tav tm="0">
-                                          <p:val>
-                                            <p:strVal val="#ppt_y+#ppt_h*1.125000"/>
-                                          </p:val>
-                                        </p:tav>
-                                        <p:tav tm="100000">
-                                          <p:val>
-                                            <p:strVal val="#ppt_y"/>
-                                          </p:val>
-                                        </p:tav>
-                                      </p:tavLst>
-                                    </p:anim>
-                                    <p:animEffect transition="in" filter="wipe(up)">
-                                      <p:cBhvr>
-                                        <p:cTn id="21" dur="500"/>
-                                        <p:tgtEl>
-                                          <p:spTgt spid="31">
-                                            <p:txEl>
-                                              <p:pRg st="0" end="0"/>
-                                            </p:txEl>
-                                          </p:spTgt>
-                                        </p:tgtEl>
-                                      </p:cBhvr>
-                                    </p:animEffect>
-                                  </p:childTnLst>
-                                </p:cTn>
-                              </p:par>
-                            </p:childTnLst>
-                          </p:cTn>
-                        </p:par>
-                      </p:childTnLst>
-                    </p:cTn>
-                  </p:par>
-                  <p:par>
-                    <p:cTn id="22" fill="hold">
-                      <p:stCondLst>
-                        <p:cond delay="indefinite"/>
-                      </p:stCondLst>
-                      <p:childTnLst>
-                        <p:par>
-                          <p:cTn id="23" fill="hold">
-                            <p:stCondLst>
-                              <p:cond delay="0"/>
-                            </p:stCondLst>
-                            <p:childTnLst>
-                              <p:par>
-                                <p:cTn id="24" presetID="12" presetClass="entr" presetSubtype="4" fill="hold" grpId="0" nodeType="clickEffect" nodePh="1">
-                                  <p:stCondLst>
-                                    <p:cond delay="0"/>
-                                  </p:stCondLst>
-                                  <p:endCondLst>
-                                    <p:cond evt="begin" delay="0">
-                                      <p:tn val="24"/>
-                                    </p:cond>
-                                  </p:endCondLst>
-                                  <p:childTnLst>
-                                    <p:set>
-                                      <p:cBhvr>
-                                        <p:cTn id="25" dur="1" fill="hold">
-                                          <p:stCondLst>
-                                            <p:cond delay="0"/>
-                                          </p:stCondLst>
-                                        </p:cTn>
-                                        <p:tgtEl>
-                                          <p:spTgt spid="20"/>
-                                        </p:tgtEl>
-                                        <p:attrNameLst>
-                                          <p:attrName>style.visibility</p:attrName>
-                                        </p:attrNameLst>
-                                      </p:cBhvr>
-                                      <p:to>
-                                        <p:strVal val="visible"/>
-                                      </p:to>
-                                    </p:set>
-                                    <p:anim calcmode="lin" valueType="num">
-                                      <p:cBhvr additive="base">
-                                        <p:cTn id="26" dur="500"/>
-                                        <p:tgtEl>
-                                          <p:spTgt spid="20"/>
-                                        </p:tgtEl>
-                                        <p:attrNameLst>
-                                          <p:attrName>ppt_y</p:attrName>
-                                        </p:attrNameLst>
-                                      </p:cBhvr>
-                                      <p:tavLst>
-                                        <p:tav tm="0">
-                                          <p:val>
-                                            <p:strVal val="#ppt_y+#ppt_h*1.125000"/>
-                                          </p:val>
-                                        </p:tav>
-                                        <p:tav tm="100000">
-                                          <p:val>
-                                            <p:strVal val="#ppt_y"/>
-                                          </p:val>
-                                        </p:tav>
-                                      </p:tavLst>
-                                    </p:anim>
-                                    <p:animEffect transition="in" filter="wipe(up)">
-                                      <p:cBhvr>
-                                        <p:cTn id="27" dur="500"/>
-                                        <p:tgtEl>
-                                          <p:spTgt spid="20"/>
-                                        </p:tgtEl>
-                                      </p:cBhvr>
-                                    </p:animEffect>
-                                  </p:childTnLst>
-                                </p:cTn>
-                              </p:par>
-                            </p:childTnLst>
-                          </p:cTn>
-                        </p:par>
-                      </p:childTnLst>
-                    </p:cTn>
-                  </p:par>
-                  <p:par>
-                    <p:cTn id="28" fill="hold">
-                      <p:stCondLst>
-                        <p:cond delay="indefinite"/>
-                      </p:stCondLst>
-                      <p:childTnLst>
-                        <p:par>
-                          <p:cTn id="29" fill="hold">
-                            <p:stCondLst>
-                              <p:cond delay="0"/>
-                            </p:stCondLst>
-                            <p:childTnLst>
-                              <p:par>
-                                <p:cTn id="30" presetID="12" presetClass="entr" presetSubtype="4" fill="hold" grpId="0" nodeType="clickEffect" nodePh="1">
-                                  <p:stCondLst>
-                                    <p:cond delay="0"/>
-                                  </p:stCondLst>
-                                  <p:endCondLst>
-                                    <p:cond evt="begin" delay="0">
-                                      <p:tn val="30"/>
-                                    </p:cond>
-                                  </p:endCondLst>
-                                  <p:childTnLst>
-                                    <p:set>
-                                      <p:cBhvr>
-                                        <p:cTn id="31" dur="1" fill="hold">
-                                          <p:stCondLst>
-                                            <p:cond delay="0"/>
-                                          </p:stCondLst>
-                                        </p:cTn>
-                                        <p:tgtEl>
-                                          <p:spTgt spid="30"/>
-                                        </p:tgtEl>
-                                        <p:attrNameLst>
-                                          <p:attrName>style.visibility</p:attrName>
-                                        </p:attrNameLst>
-                                      </p:cBhvr>
-                                      <p:to>
-                                        <p:strVal val="visible"/>
-                                      </p:to>
-                                    </p:set>
-                                    <p:anim calcmode="lin" valueType="num">
-                                      <p:cBhvr additive="base">
-                                        <p:cTn id="32" dur="500"/>
-                                        <p:tgtEl>
-                                          <p:spTgt spid="30"/>
-                                        </p:tgtEl>
-                                        <p:attrNameLst>
-                                          <p:attrName>ppt_y</p:attrName>
-                                        </p:attrNameLst>
-                                      </p:cBhvr>
-                                      <p:tavLst>
-                                        <p:tav tm="0">
-                                          <p:val>
-                                            <p:strVal val="#ppt_y+#ppt_h*1.125000"/>
-                                          </p:val>
-                                        </p:tav>
-                                        <p:tav tm="100000">
-                                          <p:val>
-                                            <p:strVal val="#ppt_y"/>
-                                          </p:val>
-                                        </p:tav>
-                                      </p:tavLst>
-                                    </p:anim>
-                                    <p:animEffect transition="in" filter="wipe(up)">
-                                      <p:cBhvr>
-                                        <p:cTn id="33" dur="500"/>
-                                        <p:tgtEl>
-                                          <p:spTgt spid="30"/>
-                                        </p:tgtEl>
-                                      </p:cBhvr>
-                                    </p:animEffect>
-                                  </p:childTnLst>
-                                </p:cTn>
-                              </p:par>
-                            </p:childTnLst>
-                          </p:cTn>
-                        </p:par>
-                      </p:childTnLst>
-                    </p:cTn>
-                  </p:par>
-                  <p:par>
-                    <p:cTn id="34" fill="hold">
-                      <p:stCondLst>
-                        <p:cond delay="indefinite"/>
-                      </p:stCondLst>
-                      <p:childTnLst>
-                        <p:par>
-                          <p:cTn id="35" fill="hold">
-                            <p:stCondLst>
-                              <p:cond delay="0"/>
-                            </p:stCondLst>
-                            <p:childTnLst>
-                              <p:par>
-                                <p:cTn id="36" presetID="12" presetClass="entr" presetSubtype="4" fill="hold" grpId="0" nodeType="clickEffect" nodePh="1">
-                                  <p:stCondLst>
-                                    <p:cond delay="0"/>
-                                  </p:stCondLst>
-                                  <p:endCondLst>
-                                    <p:cond evt="begin" delay="0">
-                                      <p:tn val="36"/>
-                                    </p:cond>
-                                  </p:endCondLst>
-                                  <p:childTnLst>
-                                    <p:set>
-                                      <p:cBhvr>
-                                        <p:cTn id="37" dur="1" fill="hold">
-                                          <p:stCondLst>
-                                            <p:cond delay="0"/>
-                                          </p:stCondLst>
-                                        </p:cTn>
-                                        <p:tgtEl>
-                                          <p:spTgt spid="23"/>
-                                        </p:tgtEl>
-                                        <p:attrNameLst>
-                                          <p:attrName>style.visibility</p:attrName>
-                                        </p:attrNameLst>
-                                      </p:cBhvr>
-                                      <p:to>
-                                        <p:strVal val="visible"/>
-                                      </p:to>
-                                    </p:set>
-                                    <p:anim calcmode="lin" valueType="num">
-                                      <p:cBhvr additive="base">
-                                        <p:cTn id="38" dur="500"/>
-                                        <p:tgtEl>
-                                          <p:spTgt spid="23"/>
-                                        </p:tgtEl>
-                                        <p:attrNameLst>
-                                          <p:attrName>ppt_y</p:attrName>
-                                        </p:attrNameLst>
-                                      </p:cBhvr>
-                                      <p:tavLst>
-                                        <p:tav tm="0">
-                                          <p:val>
-                                            <p:strVal val="#ppt_y+#ppt_h*1.125000"/>
-                                          </p:val>
-                                        </p:tav>
-                                        <p:tav tm="100000">
-                                          <p:val>
-                                            <p:strVal val="#ppt_y"/>
-                                          </p:val>
-                                        </p:tav>
-                                      </p:tavLst>
-                                    </p:anim>
-                                    <p:animEffect transition="in" filter="wipe(up)">
-                                      <p:cBhvr>
-                                        <p:cTn id="39" dur="500"/>
-                                        <p:tgtEl>
-                                          <p:spTgt spid="23"/>
-                                        </p:tgtEl>
-                                      </p:cBhvr>
-                                    </p:animEffect>
-                                  </p:childTnLst>
-                                </p:cTn>
-                              </p:par>
-                            </p:childTnLst>
-                          </p:cTn>
-                        </p:par>
-                      </p:childTnLst>
-                    </p:cTn>
-                  </p:par>
-                  <p:par>
-                    <p:cTn id="40" fill="hold">
-                      <p:stCondLst>
-                        <p:cond delay="indefinite"/>
-                      </p:stCondLst>
-                      <p:childTnLst>
-                        <p:par>
-                          <p:cTn id="41" fill="hold">
-                            <p:stCondLst>
-                              <p:cond delay="0"/>
-                            </p:stCondLst>
-                            <p:childTnLst>
-                              <p:par>
-                                <p:cTn id="42" presetID="12" presetClass="entr" presetSubtype="4" fill="hold" grpId="0" nodeType="clickEffect">
-                                  <p:stCondLst>
-                                    <p:cond delay="0"/>
-                                  </p:stCondLst>
-                                  <p:childTnLst>
-                                    <p:set>
-                                      <p:cBhvr>
-                                        <p:cTn id="43" dur="1" fill="hold">
-                                          <p:stCondLst>
-                                            <p:cond delay="0"/>
-                                          </p:stCondLst>
-                                        </p:cTn>
-                                        <p:tgtEl>
-                                          <p:spTgt spid="32"/>
-                                        </p:tgtEl>
-                                        <p:attrNameLst>
-                                          <p:attrName>style.visibility</p:attrName>
-                                        </p:attrNameLst>
-                                      </p:cBhvr>
-                                      <p:to>
-                                        <p:strVal val="visible"/>
-                                      </p:to>
-                                    </p:set>
-                                    <p:anim calcmode="lin" valueType="num">
-                                      <p:cBhvr additive="base">
-                                        <p:cTn id="44" dur="500"/>
-                                        <p:tgtEl>
-                                          <p:spTgt spid="32"/>
-                                        </p:tgtEl>
-                                        <p:attrNameLst>
-                                          <p:attrName>ppt_y</p:attrName>
-                                        </p:attrNameLst>
-                                      </p:cBhvr>
-                                      <p:tavLst>
-                                        <p:tav tm="0">
-                                          <p:val>
-                                            <p:strVal val="#ppt_y+#ppt_h*1.125000"/>
-                                          </p:val>
-                                        </p:tav>
-                                        <p:tav tm="100000">
-                                          <p:val>
-                                            <p:strVal val="#ppt_y"/>
-                                          </p:val>
-                                        </p:tav>
-                                      </p:tavLst>
-                                    </p:anim>
-                                    <p:animEffect transition="in" filter="wipe(up)">
-                                      <p:cBhvr>
-                                        <p:cTn id="45" dur="500"/>
-                                        <p:tgtEl>
-                                          <p:spTgt spid="32"/>
-                                        </p:tgtEl>
-                                      </p:cBhvr>
-                                    </p:animEffect>
-                                  </p:childTnLst>
-                                </p:cTn>
-                              </p:par>
-                            </p:childTnLst>
-                          </p:cTn>
-                        </p:par>
-                      </p:childTnLst>
-                    </p:cTn>
-                  </p:par>
                 </p:childTnLst>
               </p:cTn>
               <p:prevCondLst>
@@ -15777,12 +14215,7 @@
     </p:tnLst>
     <p:bldLst>
       <p:bldP spid="3" grpId="0"/>
-      <p:bldP spid="31" grpId="0" build="p"/>
       <p:bldP spid="17" grpId="0"/>
-      <p:bldP spid="20" grpId="0"/>
-      <p:bldP spid="23" grpId="0"/>
-      <p:bldP spid="30" grpId="0"/>
-      <p:bldP spid="32" grpId="0"/>
     </p:bldLst>
   </p:timing>
 </p:sld>
@@ -15805,28 +14238,28 @@
         <a:srgbClr val="DADADA"/>
       </a:lt2>
       <a:accent1>
-        <a:srgbClr val="83992A"/>
+        <a:srgbClr val="D9B247"/>
       </a:accent1>
       <a:accent2>
-        <a:srgbClr val="3C9770"/>
+        <a:srgbClr val="CC702D"/>
       </a:accent2>
       <a:accent3>
-        <a:srgbClr val="44709D"/>
+        <a:srgbClr val="B53A31"/>
       </a:accent3>
       <a:accent4>
-        <a:srgbClr val="A23C33"/>
+        <a:srgbClr val="815F56"/>
       </a:accent4>
       <a:accent5>
-        <a:srgbClr val="D97828"/>
+        <a:srgbClr val="AE9E7C"/>
       </a:accent5>
       <a:accent6>
-        <a:srgbClr val="DEB340"/>
+        <a:srgbClr val="7B8865"/>
       </a:accent6>
       <a:hlink>
-        <a:srgbClr val="A8BF4D"/>
+        <a:srgbClr val="BB7826"/>
       </a:hlink>
       <a:folHlink>
-        <a:srgbClr val="B4CA80"/>
+        <a:srgbClr val="CF9C5F"/>
       </a:folHlink>
     </a:clrScheme>
     <a:fontScheme name="Organic">
@@ -16015,7 +14448,7 @@
   <a:extraClrSchemeLst/>
   <a:extLst>
     <a:ext uri="{05A4C25C-085E-4340-85A3-A5531E510DB2}">
-      <thm15:themeFamily xmlns:thm15="http://schemas.microsoft.com/office/thememl/2012/main" name="Organic" id="{28CDC826-8792-45C0-861B-85EB3ADEDA33}" vid="{7DAC20F1-423D-49E2-BD0B-50532748BAD0}"/>
+      <thm15:themeFamily xmlns:thm15="http://schemas.microsoft.com/office/thememl/2012/main" name="Organic" id="{28CDC826-8792-45C0-861B-85EB3ADEDA33}" vid="{E4E49EB0-FB00-41F5-9359-4843D783A23D}"/>
     </a:ext>
   </a:extLst>
 </a:theme>
@@ -16612,15 +15045,6 @@
 </file>
 
 <file path=customXml/item1.xml><?xml version="1.0" encoding="utf-8"?>
-<p:properties xmlns:p="http://schemas.microsoft.com/office/2006/metadata/properties" xmlns:xsi="http://www.w3.org/2001/XMLSchema-instance" xmlns:pc="http://schemas.microsoft.com/office/infopath/2007/PartnerControls">
-  <documentManagement>
-    <Status xmlns="71af3243-3dd4-4a8d-8c0d-dd76da1f02a5">Not started</Status>
-    <MediaServiceKeyPoints xmlns="71af3243-3dd4-4a8d-8c0d-dd76da1f02a5" xsi:nil="true"/>
-  </documentManagement>
-</p:properties>
-</file>
-
-<file path=customXml/item2.xml><?xml version="1.0" encoding="utf-8"?>
 <ct:contentTypeSchema xmlns:ct="http://schemas.microsoft.com/office/2006/metadata/contentType" xmlns:ma="http://schemas.microsoft.com/office/2006/metadata/properties/metaAttributes" ct:_="" ma:_="" ma:contentTypeName="Document" ma:contentTypeID="0x01010079F111ED35F8CC479449609E8A0923A6" ma:contentTypeVersion="12" ma:contentTypeDescription="Create a new document." ma:contentTypeScope="" ma:versionID="426e97fa315356fffbdcd9876fe988c2">
   <xsd:schema xmlns:xsd="http://www.w3.org/2001/XMLSchema" xmlns:xs="http://www.w3.org/2001/XMLSchema" xmlns:p="http://schemas.microsoft.com/office/2006/metadata/properties" xmlns:ns2="71af3243-3dd4-4a8d-8c0d-dd76da1f02a5" xmlns:ns3="16c05727-aa75-4e4a-9b5f-8a80a1165891" targetNamespace="http://schemas.microsoft.com/office/2006/metadata/properties" ma:root="true" ma:fieldsID="14b8f0def80e6d70ce3def20c90759ae" ns2:_="" ns3:_="">
     <xsd:import namespace="71af3243-3dd4-4a8d-8c0d-dd76da1f02a5"/>
@@ -16841,6 +15265,15 @@
 </ct:contentTypeSchema>
 </file>
 
+<file path=customXml/item2.xml><?xml version="1.0" encoding="utf-8"?>
+<p:properties xmlns:p="http://schemas.microsoft.com/office/2006/metadata/properties" xmlns:xsi="http://www.w3.org/2001/XMLSchema-instance" xmlns:pc="http://schemas.microsoft.com/office/infopath/2007/PartnerControls">
+  <documentManagement>
+    <Status xmlns="71af3243-3dd4-4a8d-8c0d-dd76da1f02a5">Not started</Status>
+    <MediaServiceKeyPoints xmlns="71af3243-3dd4-4a8d-8c0d-dd76da1f02a5" xsi:nil="true"/>
+  </documentManagement>
+</p:properties>
+</file>
+
 <file path=customXml/item3.xml><?xml version="1.0" encoding="utf-8"?>
 <?mso-contentType ?>
 <FormTemplates xmlns="http://schemas.microsoft.com/sharepoint/v3/contenttype/forms">
@@ -16851,16 +15284,6 @@
 </file>
 
 <file path=customXml/itemProps1.xml><?xml version="1.0" encoding="utf-8"?>
-<ds:datastoreItem xmlns:ds="http://schemas.openxmlformats.org/officeDocument/2006/customXml" ds:itemID="{4DEA9014-ED64-4558-B1E1-D03F0EE32BEB}">
-  <ds:schemaRefs>
-    <ds:schemaRef ds:uri="http://schemas.microsoft.com/office/2006/metadata/properties"/>
-    <ds:schemaRef ds:uri="http://schemas.microsoft.com/office/infopath/2007/PartnerControls"/>
-    <ds:schemaRef ds:uri="71af3243-3dd4-4a8d-8c0d-dd76da1f02a5"/>
-  </ds:schemaRefs>
-</ds:datastoreItem>
-</file>
-
-<file path=customXml/itemProps2.xml><?xml version="1.0" encoding="utf-8"?>
 <ds:datastoreItem xmlns:ds="http://schemas.openxmlformats.org/officeDocument/2006/customXml" ds:itemID="{B19EB750-A6DA-4BE8-B87B-FC499FE73360}">
   <ds:schemaRefs>
     <ds:schemaRef ds:uri="http://schemas.microsoft.com/office/2006/metadata/contentType"/>
@@ -16879,6 +15302,16 @@
 </ds:datastoreItem>
 </file>
 
+<file path=customXml/itemProps2.xml><?xml version="1.0" encoding="utf-8"?>
+<ds:datastoreItem xmlns:ds="http://schemas.openxmlformats.org/officeDocument/2006/customXml" ds:itemID="{4DEA9014-ED64-4558-B1E1-D03F0EE32BEB}">
+  <ds:schemaRefs>
+    <ds:schemaRef ds:uri="http://schemas.microsoft.com/office/2006/metadata/properties"/>
+    <ds:schemaRef ds:uri="http://schemas.microsoft.com/office/infopath/2007/PartnerControls"/>
+    <ds:schemaRef ds:uri="71af3243-3dd4-4a8d-8c0d-dd76da1f02a5"/>
+  </ds:schemaRefs>
+</ds:datastoreItem>
+</file>
+
 <file path=customXml/itemProps3.xml><?xml version="1.0" encoding="utf-8"?>
 <ds:datastoreItem xmlns:ds="http://schemas.openxmlformats.org/officeDocument/2006/customXml" ds:itemID="{05D99ABA-76CE-4A8E-B5F0-C051B96628DE}">
   <ds:schemaRefs>

--- a/PPT/Sales.pptx
+++ b/PPT/Sales.pptx
@@ -255,7 +255,7 @@
           <a:p>
             <a:fld id="{EF1077DB-935E-4A0A-947A-D283B9F9F452}" type="datetimeFigureOut">
               <a:rPr lang="en-US" smtClean="0"/>
-              <a:t>7/6/2024</a:t>
+              <a:t>7/11/2024</a:t>
             </a:fld>
             <a:endParaRPr lang="en-US" dirty="0"/>
           </a:p>
@@ -432,7 +432,7 @@
           <a:p>
             <a:fld id="{2D9EC30E-1A71-4188-9BE7-E2A64929A436}" type="datetimeFigureOut">
               <a:rPr lang="en-US" noProof="0" smtClean="0"/>
-              <a:t>7/6/2024</a:t>
+              <a:t>7/11/2024</a:t>
             </a:fld>
             <a:endParaRPr lang="en-US" noProof="0" dirty="0"/>
           </a:p>
@@ -1008,7 +1008,7 @@
             <a:fld id="{B61BEF0D-F0BB-DE4B-95CE-6DB70DBA9567}" type="datetimeFigureOut">
               <a:rPr lang="en-US" smtClean="0"/>
               <a:pPr/>
-              <a:t>7/6/2024</a:t>
+              <a:t>7/11/2024</a:t>
             </a:fld>
             <a:endParaRPr lang="en-US" dirty="0"/>
           </a:p>
@@ -1343,7 +1343,7 @@
             <a:fld id="{B61BEF0D-F0BB-DE4B-95CE-6DB70DBA9567}" type="datetimeFigureOut">
               <a:rPr lang="en-US" smtClean="0"/>
               <a:pPr/>
-              <a:t>7/6/2024</a:t>
+              <a:t>7/11/2024</a:t>
             </a:fld>
             <a:endParaRPr lang="en-US" dirty="0"/>
           </a:p>
@@ -1594,7 +1594,7 @@
             <a:fld id="{B61BEF0D-F0BB-DE4B-95CE-6DB70DBA9567}" type="datetimeFigureOut">
               <a:rPr lang="en-US" smtClean="0"/>
               <a:pPr/>
-              <a:t>7/6/2024</a:t>
+              <a:t>7/11/2024</a:t>
             </a:fld>
             <a:endParaRPr lang="en-US" dirty="0"/>
           </a:p>
@@ -1943,7 +1943,7 @@
             <a:fld id="{B61BEF0D-F0BB-DE4B-95CE-6DB70DBA9567}" type="datetimeFigureOut">
               <a:rPr lang="en-US" smtClean="0"/>
               <a:pPr/>
-              <a:t>7/6/2024</a:t>
+              <a:t>7/11/2024</a:t>
             </a:fld>
             <a:endParaRPr lang="en-US" dirty="0"/>
           </a:p>
@@ -2300,7 +2300,7 @@
             <a:fld id="{B61BEF0D-F0BB-DE4B-95CE-6DB70DBA9567}" type="datetimeFigureOut">
               <a:rPr lang="en-US" smtClean="0"/>
               <a:pPr/>
-              <a:t>7/6/2024</a:t>
+              <a:t>7/11/2024</a:t>
             </a:fld>
             <a:endParaRPr lang="en-US" dirty="0"/>
           </a:p>
@@ -2677,7 +2677,7 @@
             <a:fld id="{B61BEF0D-F0BB-DE4B-95CE-6DB70DBA9567}" type="datetimeFigureOut">
               <a:rPr lang="en-US" smtClean="0"/>
               <a:pPr/>
-              <a:t>7/6/2024</a:t>
+              <a:t>7/11/2024</a:t>
             </a:fld>
             <a:endParaRPr lang="en-US" dirty="0"/>
           </a:p>
@@ -3157,7 +3157,7 @@
             <a:fld id="{B61BEF0D-F0BB-DE4B-95CE-6DB70DBA9567}" type="datetimeFigureOut">
               <a:rPr lang="en-US" smtClean="0"/>
               <a:pPr/>
-              <a:t>7/6/2024</a:t>
+              <a:t>7/11/2024</a:t>
             </a:fld>
             <a:endParaRPr lang="en-US" dirty="0"/>
           </a:p>
@@ -3371,7 +3371,7 @@
           <a:p>
             <a:fld id="{55C6B4A9-1611-4792-9094-5F34BCA07E0B}" type="datetimeFigureOut">
               <a:rPr lang="en-US" smtClean="0"/>
-              <a:t>7/6/2024</a:t>
+              <a:t>7/11/2024</a:t>
             </a:fld>
             <a:endParaRPr lang="en-US" dirty="0"/>
           </a:p>
@@ -3591,7 +3591,7 @@
             <a:fld id="{B61BEF0D-F0BB-DE4B-95CE-6DB70DBA9567}" type="datetimeFigureOut">
               <a:rPr lang="en-US" smtClean="0"/>
               <a:pPr/>
-              <a:t>7/6/2024</a:t>
+              <a:t>7/11/2024</a:t>
             </a:fld>
             <a:endParaRPr lang="en-US" dirty="0"/>
           </a:p>
@@ -4909,7 +4909,7 @@
             <a:fld id="{B61BEF0D-F0BB-DE4B-95CE-6DB70DBA9567}" type="datetimeFigureOut">
               <a:rPr lang="en-US" smtClean="0"/>
               <a:pPr/>
-              <a:t>7/6/2024</a:t>
+              <a:t>7/11/2024</a:t>
             </a:fld>
             <a:endParaRPr lang="en-US" dirty="0"/>
           </a:p>
@@ -7132,7 +7132,7 @@
             <a:fld id="{B61BEF0D-F0BB-DE4B-95CE-6DB70DBA9567}" type="datetimeFigureOut">
               <a:rPr lang="en-US" smtClean="0"/>
               <a:pPr/>
-              <a:t>7/6/2024</a:t>
+              <a:t>7/11/2024</a:t>
             </a:fld>
             <a:endParaRPr lang="en-US" dirty="0"/>
           </a:p>
@@ -7446,7 +7446,7 @@
           <a:p>
             <a:fld id="{EB712588-04B1-427B-82EE-E8DB90309F08}" type="datetimeFigureOut">
               <a:rPr lang="en-US" smtClean="0"/>
-              <a:t>7/6/2024</a:t>
+              <a:t>7/11/2024</a:t>
             </a:fld>
             <a:endParaRPr lang="en-US" dirty="0"/>
           </a:p>
@@ -7830,7 +7830,7 @@
             <a:fld id="{B61BEF0D-F0BB-DE4B-95CE-6DB70DBA9567}" type="datetimeFigureOut">
               <a:rPr lang="en-US" smtClean="0"/>
               <a:pPr/>
-              <a:t>7/6/2024</a:t>
+              <a:t>7/11/2024</a:t>
             </a:fld>
             <a:endParaRPr lang="en-US" dirty="0"/>
           </a:p>
@@ -7989,7 +7989,7 @@
             <a:fld id="{B61BEF0D-F0BB-DE4B-95CE-6DB70DBA9567}" type="datetimeFigureOut">
               <a:rPr lang="en-US" smtClean="0"/>
               <a:pPr/>
-              <a:t>7/6/2024</a:t>
+              <a:t>7/11/2024</a:t>
             </a:fld>
             <a:endParaRPr lang="en-US" dirty="0"/>
           </a:p>
@@ -8125,7 +8125,7 @@
             <a:fld id="{B61BEF0D-F0BB-DE4B-95CE-6DB70DBA9567}" type="datetimeFigureOut">
               <a:rPr lang="en-US" smtClean="0"/>
               <a:pPr/>
-              <a:t>7/6/2024</a:t>
+              <a:t>7/11/2024</a:t>
             </a:fld>
             <a:endParaRPr lang="en-US" dirty="0"/>
           </a:p>
@@ -8382,7 +8382,7 @@
           <a:p>
             <a:fld id="{42A54C80-263E-416B-A8E0-580EDEADCBDC}" type="datetimeFigureOut">
               <a:rPr lang="en-US" smtClean="0"/>
-              <a:t>7/6/2024</a:t>
+              <a:t>7/11/2024</a:t>
             </a:fld>
             <a:endParaRPr lang="en-US" dirty="0"/>
           </a:p>
@@ -8706,7 +8706,7 @@
             <a:fld id="{B61BEF0D-F0BB-DE4B-95CE-6DB70DBA9567}" type="datetimeFigureOut">
               <a:rPr lang="en-US" smtClean="0"/>
               <a:pPr/>
-              <a:t>7/6/2024</a:t>
+              <a:t>7/11/2024</a:t>
             </a:fld>
             <a:endParaRPr lang="en-US" dirty="0"/>
           </a:p>
@@ -8953,7 +8953,7 @@
             <a:fld id="{B61BEF0D-F0BB-DE4B-95CE-6DB70DBA9567}" type="datetimeFigureOut">
               <a:rPr lang="en-US" smtClean="0"/>
               <a:pPr/>
-              <a:t>7/6/2024</a:t>
+              <a:t>7/11/2024</a:t>
             </a:fld>
             <a:endParaRPr lang="en-US" dirty="0"/>
           </a:p>
@@ -9166,7 +9166,7 @@
                 </a:solidFill>
               </a:rPr>
               <a:pPr/>
-              <a:t>7/6/2024</a:t>
+              <a:t>7/11/2024</a:t>
             </a:fld>
             <a:endParaRPr lang="en-US" sz="1100" dirty="0">
               <a:solidFill>
@@ -9936,23 +9936,68 @@
         </p:nvSpPr>
         <p:spPr>
           <a:xfrm>
-            <a:off x="6312871" y="4141999"/>
-            <a:ext cx="3400089" cy="861497"/>
+            <a:off x="4988364" y="3374621"/>
+            <a:ext cx="6137031" cy="1144625"/>
           </a:xfrm>
         </p:spPr>
         <p:txBody>
-          <a:bodyPr/>
+          <a:bodyPr>
+            <a:normAutofit/>
+          </a:bodyPr>
           <a:lstStyle/>
           <a:p>
-            <a:pPr algn="r"/>
-            <a:r>
-              <a:rPr lang="en-US" b="0" dirty="0" smtClean="0">
+            <a:pPr algn="ctr"/>
+            <a:r>
+              <a:rPr lang="en-US" sz="1800" dirty="0" smtClean="0">
                 <a:solidFill>
                   <a:schemeClr val="tx1"/>
                 </a:solidFill>
               </a:rPr>
-              <a:t>Dipan Basak</a:t>
-            </a:r>
+              <a:t>Collage - Institute </a:t>
+            </a:r>
+            <a:r>
+              <a:rPr lang="en-US" sz="1800" dirty="0" smtClean="0">
+                <a:solidFill>
+                  <a:schemeClr val="tx1"/>
+                </a:solidFill>
+              </a:rPr>
+              <a:t>of Engineering and </a:t>
+            </a:r>
+            <a:r>
+              <a:rPr lang="en-US" sz="1800" dirty="0" smtClean="0">
+                <a:solidFill>
+                  <a:schemeClr val="tx1"/>
+                </a:solidFill>
+              </a:rPr>
+              <a:t>Management, Kolkata</a:t>
+            </a:r>
+            <a:endParaRPr lang="en-US" sz="1800" dirty="0" smtClean="0">
+              <a:solidFill>
+                <a:schemeClr val="tx1"/>
+              </a:solidFill>
+            </a:endParaRPr>
+          </a:p>
+          <a:p>
+            <a:pPr algn="ctr"/>
+            <a:r>
+              <a:rPr lang="en-US" sz="1800" b="0" dirty="0" smtClean="0">
+                <a:solidFill>
+                  <a:schemeClr val="tx1"/>
+                </a:solidFill>
+              </a:rPr>
+              <a:t>Name - Dipan </a:t>
+            </a:r>
+            <a:r>
+              <a:rPr lang="en-US" sz="1800" b="0" dirty="0">
+                <a:solidFill>
+                  <a:schemeClr val="tx1"/>
+                </a:solidFill>
+              </a:rPr>
+              <a:t>Basak</a:t>
+            </a:r>
+          </a:p>
+          <a:p>
+            <a:pPr algn="ctr"/>
             <a:endParaRPr lang="en-IN" b="0" dirty="0">
               <a:solidFill>
                 <a:schemeClr val="tx1"/>
@@ -9979,32 +10024,33 @@
         </p:nvSpPr>
         <p:spPr>
           <a:xfrm>
-            <a:off x="4615961" y="1935776"/>
-            <a:ext cx="6669253" cy="743448"/>
+            <a:off x="4456142" y="1107831"/>
+            <a:ext cx="6669253" cy="1903695"/>
           </a:xfrm>
         </p:spPr>
         <p:txBody>
           <a:bodyPr>
-            <a:normAutofit fontScale="90000"/>
+            <a:normAutofit/>
           </a:bodyPr>
           <a:lstStyle/>
           <a:p>
             <a:pPr algn="ctr"/>
             <a:r>
               <a:rPr lang="en-GB" sz="3200" dirty="0" smtClean="0"/>
-              <a:t>Project Title</a:t>
+              <a:t>Project </a:t>
+            </a:r>
+            <a:r>
+              <a:rPr lang="en-GB" sz="3200" dirty="0" smtClean="0"/>
+              <a:t>Title</a:t>
+            </a:r>
+            <a:r>
+              <a:rPr lang="en-GB" sz="3200" dirty="0" smtClean="0"/>
+              <a:t/>
             </a:r>
             <a:br>
               <a:rPr lang="en-GB" sz="3200" dirty="0" smtClean="0"/>
             </a:br>
             <a:r>
-              <a:rPr lang="en-GB" sz="3200" dirty="0" smtClean="0"/>
-              <a:t/>
-            </a:r>
-            <a:br>
-              <a:rPr lang="en-GB" sz="3200" dirty="0" smtClean="0"/>
-            </a:br>
-            <a:r>
               <a:rPr lang="en-US" b="1" dirty="0" smtClean="0"/>
               <a:t>Sales </a:t>
             </a:r>
@@ -10016,13 +10062,6 @@
               <a:rPr lang="en-US" b="1" dirty="0" smtClean="0"/>
               <a:t>Analysis</a:t>
             </a:r>
-            <a:r>
-              <a:rPr lang="en-US" b="1" dirty="0"/>
-              <a:t/>
-            </a:r>
-            <a:br>
-              <a:rPr lang="en-US" b="1" dirty="0"/>
-            </a:br>
             <a:endParaRPr lang="en-IN" sz="3200" dirty="0"/>
           </a:p>
         </p:txBody>
@@ -10791,6 +10830,67 @@
                       </p:childTnLst>
                     </p:cTn>
                   </p:par>
+                  <p:par>
+                    <p:cTn id="33" fill="hold">
+                      <p:stCondLst>
+                        <p:cond delay="indefinite"/>
+                      </p:stCondLst>
+                      <p:childTnLst>
+                        <p:par>
+                          <p:cTn id="34" fill="hold">
+                            <p:stCondLst>
+                              <p:cond delay="0"/>
+                            </p:stCondLst>
+                            <p:childTnLst>
+                              <p:par>
+                                <p:cTn id="35" presetID="14" presetClass="entr" presetSubtype="10" fill="hold" grpId="0" nodeType="clickEffect">
+                                  <p:stCondLst>
+                                    <p:cond delay="0"/>
+                                  </p:stCondLst>
+                                  <p:childTnLst>
+                                    <p:set>
+                                      <p:cBhvr>
+                                        <p:cTn id="36" dur="1" fill="hold">
+                                          <p:stCondLst>
+                                            <p:cond delay="0"/>
+                                          </p:stCondLst>
+                                        </p:cTn>
+                                        <p:tgtEl>
+                                          <p:spTgt spid="2">
+                                            <p:txEl>
+                                              <p:pRg st="1" end="1"/>
+                                            </p:txEl>
+                                          </p:spTgt>
+                                        </p:tgtEl>
+                                        <p:attrNameLst>
+                                          <p:attrName>style.visibility</p:attrName>
+                                        </p:attrNameLst>
+                                      </p:cBhvr>
+                                      <p:to>
+                                        <p:strVal val="visible"/>
+                                      </p:to>
+                                    </p:set>
+                                    <p:animEffect transition="in" filter="randombar(horizontal)">
+                                      <p:cBhvr>
+                                        <p:cTn id="37" dur="500"/>
+                                        <p:tgtEl>
+                                          <p:spTgt spid="2">
+                                            <p:txEl>
+                                              <p:pRg st="1" end="1"/>
+                                            </p:txEl>
+                                          </p:spTgt>
+                                        </p:tgtEl>
+                                      </p:cBhvr>
+                                    </p:animEffect>
+                                  </p:childTnLst>
+                                </p:cTn>
+                              </p:par>
+                            </p:childTnLst>
+                          </p:cTn>
+                        </p:par>
+                      </p:childTnLst>
+                    </p:cTn>
+                  </p:par>
                 </p:childTnLst>
               </p:cTn>
               <p:prevCondLst>
@@ -10856,66 +10956,103 @@
         </p:nvSpPr>
         <p:spPr>
           <a:xfrm>
-            <a:off x="904071" y="2743030"/>
-            <a:ext cx="6279244" cy="3640016"/>
+            <a:off x="1341443" y="2206698"/>
+            <a:ext cx="6312878" cy="2866462"/>
           </a:xfrm>
         </p:spPr>
         <p:txBody>
           <a:bodyPr>
-            <a:normAutofit fontScale="55000" lnSpcReduction="20000"/>
+            <a:normAutofit/>
           </a:bodyPr>
           <a:lstStyle/>
           <a:p>
-            <a:pPr algn="just">
+            <a:pPr marL="0" indent="0" algn="just">
               <a:lnSpc>
                 <a:spcPct val="150000"/>
               </a:lnSpc>
+              <a:buNone/>
             </a:pPr>
             <a:r>
-              <a:rPr lang="en-US" sz="2800" dirty="0"/>
+              <a:rPr lang="en-US" sz="1400" dirty="0">
+                <a:latin typeface="Arial" panose="020B0604020202020204" pitchFamily="34" charset="0"/>
+                <a:cs typeface="Arial" panose="020B0604020202020204" pitchFamily="34" charset="0"/>
+              </a:rPr>
               <a:t>a computer hardware manufacturer</a:t>
             </a:r>
             <a:r>
-              <a:rPr lang="en-US" sz="2800" dirty="0" smtClean="0"/>
+              <a:rPr lang="en-US" sz="1400" dirty="0" smtClean="0">
+                <a:latin typeface="Arial" panose="020B0604020202020204" pitchFamily="34" charset="0"/>
+                <a:cs typeface="Arial" panose="020B0604020202020204" pitchFamily="34" charset="0"/>
+              </a:rPr>
               <a:t>, </a:t>
             </a:r>
             <a:r>
-              <a:rPr lang="en-US" sz="2800" dirty="0"/>
+              <a:rPr lang="en-US" sz="1400" dirty="0">
+                <a:latin typeface="Arial" panose="020B0604020202020204" pitchFamily="34" charset="0"/>
+                <a:cs typeface="Arial" panose="020B0604020202020204" pitchFamily="34" charset="0"/>
+              </a:rPr>
               <a:t>is facing issues tracking sales and getting business insights. </a:t>
             </a:r>
             <a:r>
-              <a:rPr lang="en-US" sz="2800" dirty="0" smtClean="0"/>
+              <a:rPr lang="en-US" sz="1400" dirty="0" smtClean="0">
+                <a:latin typeface="Arial" panose="020B0604020202020204" pitchFamily="34" charset="0"/>
+                <a:cs typeface="Arial" panose="020B0604020202020204" pitchFamily="34" charset="0"/>
+              </a:rPr>
               <a:t>The sales </a:t>
             </a:r>
             <a:r>
-              <a:rPr lang="en-US" sz="2800" dirty="0"/>
+              <a:rPr lang="en-US" sz="1400" dirty="0">
+                <a:latin typeface="Arial" panose="020B0604020202020204" pitchFamily="34" charset="0"/>
+                <a:cs typeface="Arial" panose="020B0604020202020204" pitchFamily="34" charset="0"/>
+              </a:rPr>
               <a:t>director, is frustrated because the current method of getting insights through phone calls with regional managers is unreliable. The regional managers tend to sugarcoat the facts or lie, and sales director</a:t>
             </a:r>
             <a:r>
-              <a:rPr lang="en-US" sz="2800" dirty="0" smtClean="0"/>
+              <a:rPr lang="en-US" sz="1400" dirty="0" smtClean="0">
+                <a:latin typeface="Arial" panose="020B0604020202020204" pitchFamily="34" charset="0"/>
+                <a:cs typeface="Arial" panose="020B0604020202020204" pitchFamily="34" charset="0"/>
+              </a:rPr>
               <a:t> doesn't </a:t>
             </a:r>
             <a:r>
-              <a:rPr lang="en-US" sz="2800" dirty="0"/>
+              <a:rPr lang="en-US" sz="1400" dirty="0">
+                <a:latin typeface="Arial" panose="020B0604020202020204" pitchFamily="34" charset="0"/>
+                <a:cs typeface="Arial" panose="020B0604020202020204" pitchFamily="34" charset="0"/>
+              </a:rPr>
               <a:t>get a complete picture of what's going on. On top of that, the insights are provided in numerous Excel files, which are too cumbersome and time-consuming to analyze. </a:t>
             </a:r>
             <a:r>
-              <a:rPr lang="en-US" sz="2800" dirty="0" smtClean="0"/>
+              <a:rPr lang="en-US" sz="1400" dirty="0" smtClean="0">
+                <a:latin typeface="Arial" panose="020B0604020202020204" pitchFamily="34" charset="0"/>
+                <a:cs typeface="Arial" panose="020B0604020202020204" pitchFamily="34" charset="0"/>
+              </a:rPr>
               <a:t>Sales </a:t>
             </a:r>
             <a:r>
-              <a:rPr lang="en-US" sz="2800" dirty="0"/>
+              <a:rPr lang="en-US" sz="1400" dirty="0">
+                <a:latin typeface="Arial" panose="020B0604020202020204" pitchFamily="34" charset="0"/>
+                <a:cs typeface="Arial" panose="020B0604020202020204" pitchFamily="34" charset="0"/>
+              </a:rPr>
               <a:t>director </a:t>
             </a:r>
             <a:r>
-              <a:rPr lang="en-US" sz="2800" dirty="0" smtClean="0"/>
+              <a:rPr lang="en-US" sz="1400" dirty="0" smtClean="0">
+                <a:latin typeface="Arial" panose="020B0604020202020204" pitchFamily="34" charset="0"/>
+                <a:cs typeface="Arial" panose="020B0604020202020204" pitchFamily="34" charset="0"/>
+              </a:rPr>
               <a:t>would </a:t>
             </a:r>
             <a:r>
-              <a:rPr lang="en-US" sz="2800" dirty="0"/>
+              <a:rPr lang="en-US" sz="1400" dirty="0">
+                <a:latin typeface="Arial" panose="020B0604020202020204" pitchFamily="34" charset="0"/>
+                <a:cs typeface="Arial" panose="020B0604020202020204" pitchFamily="34" charset="0"/>
+              </a:rPr>
               <a:t>prefer a clear, concise dashboard that shows the real data so he can make data-driven decisions.</a:t>
             </a:r>
-            <a:endParaRPr lang="en-IN" sz="2800" dirty="0"/>
+            <a:endParaRPr lang="en-IN" sz="1400" dirty="0">
+              <a:latin typeface="Arial" panose="020B0604020202020204" pitchFamily="34" charset="0"/>
+              <a:cs typeface="Arial" panose="020B0604020202020204" pitchFamily="34" charset="0"/>
+            </a:endParaRPr>
           </a:p>
         </p:txBody>
       </p:sp>
@@ -11718,7 +11855,7 @@
         </p:blipFill>
         <p:spPr>
           <a:xfrm>
-            <a:off x="721359" y="6176804"/>
+            <a:off x="620008" y="6372225"/>
             <a:ext cx="2181225" cy="485775"/>
           </a:xfrm>
           <a:prstGeom prst="rect">
@@ -12226,6 +12363,40 @@
               <a:rPr lang="en-US" sz="2800" dirty="0" err="1" smtClean="0"/>
               <a:t>PowerBI</a:t>
             </a:r>
+            <a:endParaRPr lang="en-US" sz="2800" dirty="0" smtClean="0"/>
+          </a:p>
+          <a:p>
+            <a:pPr lvl="1">
+              <a:lnSpc>
+                <a:spcPct val="150000"/>
+              </a:lnSpc>
+            </a:pPr>
+            <a:r>
+              <a:rPr lang="en-US" sz="2800" dirty="0" smtClean="0"/>
+              <a:t>ETL</a:t>
+            </a:r>
+          </a:p>
+          <a:p>
+            <a:pPr lvl="1">
+              <a:lnSpc>
+                <a:spcPct val="150000"/>
+              </a:lnSpc>
+            </a:pPr>
+            <a:r>
+              <a:rPr lang="en-US" sz="2800" dirty="0" smtClean="0"/>
+              <a:t>Data Cleaning</a:t>
+            </a:r>
+          </a:p>
+          <a:p>
+            <a:pPr lvl="1">
+              <a:lnSpc>
+                <a:spcPct val="150000"/>
+              </a:lnSpc>
+            </a:pPr>
+            <a:r>
+              <a:rPr lang="en-US" sz="2800" dirty="0" smtClean="0"/>
+              <a:t>Data Visualization</a:t>
+            </a:r>
             <a:endParaRPr lang="en-IN" sz="2800" dirty="0"/>
           </a:p>
         </p:txBody>
@@ -12469,6 +12640,297 @@
                                           <p:spTgt spid="7">
                                             <p:txEl>
                                               <p:pRg st="0" end="0"/>
+                                            </p:txEl>
+                                          </p:spTgt>
+                                        </p:tgtEl>
+                                        <p:attrNameLst>
+                                          <p:attrName>ppt_y</p:attrName>
+                                        </p:attrNameLst>
+                                      </p:cBhvr>
+                                      <p:tavLst>
+                                        <p:tav tm="0">
+                                          <p:val>
+                                            <p:strVal val="#ppt_y+.1"/>
+                                          </p:val>
+                                        </p:tav>
+                                        <p:tav tm="100000">
+                                          <p:val>
+                                            <p:strVal val="#ppt_y"/>
+                                          </p:val>
+                                        </p:tav>
+                                      </p:tavLst>
+                                    </p:anim>
+                                  </p:childTnLst>
+                                </p:cTn>
+                              </p:par>
+                              <p:par>
+                                <p:cTn id="17" presetID="42" presetClass="entr" presetSubtype="0" fill="hold" grpId="0" nodeType="withEffect">
+                                  <p:stCondLst>
+                                    <p:cond delay="0"/>
+                                  </p:stCondLst>
+                                  <p:childTnLst>
+                                    <p:set>
+                                      <p:cBhvr>
+                                        <p:cTn id="18" dur="1" fill="hold">
+                                          <p:stCondLst>
+                                            <p:cond delay="0"/>
+                                          </p:stCondLst>
+                                        </p:cTn>
+                                        <p:tgtEl>
+                                          <p:spTgt spid="7">
+                                            <p:txEl>
+                                              <p:pRg st="1" end="1"/>
+                                            </p:txEl>
+                                          </p:spTgt>
+                                        </p:tgtEl>
+                                        <p:attrNameLst>
+                                          <p:attrName>style.visibility</p:attrName>
+                                        </p:attrNameLst>
+                                      </p:cBhvr>
+                                      <p:to>
+                                        <p:strVal val="visible"/>
+                                      </p:to>
+                                    </p:set>
+                                    <p:animEffect transition="in" filter="fade">
+                                      <p:cBhvr>
+                                        <p:cTn id="19" dur="1000"/>
+                                        <p:tgtEl>
+                                          <p:spTgt spid="7">
+                                            <p:txEl>
+                                              <p:pRg st="1" end="1"/>
+                                            </p:txEl>
+                                          </p:spTgt>
+                                        </p:tgtEl>
+                                      </p:cBhvr>
+                                    </p:animEffect>
+                                    <p:anim calcmode="lin" valueType="num">
+                                      <p:cBhvr>
+                                        <p:cTn id="20" dur="1000" fill="hold"/>
+                                        <p:tgtEl>
+                                          <p:spTgt spid="7">
+                                            <p:txEl>
+                                              <p:pRg st="1" end="1"/>
+                                            </p:txEl>
+                                          </p:spTgt>
+                                        </p:tgtEl>
+                                        <p:attrNameLst>
+                                          <p:attrName>ppt_x</p:attrName>
+                                        </p:attrNameLst>
+                                      </p:cBhvr>
+                                      <p:tavLst>
+                                        <p:tav tm="0">
+                                          <p:val>
+                                            <p:strVal val="#ppt_x"/>
+                                          </p:val>
+                                        </p:tav>
+                                        <p:tav tm="100000">
+                                          <p:val>
+                                            <p:strVal val="#ppt_x"/>
+                                          </p:val>
+                                        </p:tav>
+                                      </p:tavLst>
+                                    </p:anim>
+                                    <p:anim calcmode="lin" valueType="num">
+                                      <p:cBhvr>
+                                        <p:cTn id="21" dur="1000" fill="hold"/>
+                                        <p:tgtEl>
+                                          <p:spTgt spid="7">
+                                            <p:txEl>
+                                              <p:pRg st="1" end="1"/>
+                                            </p:txEl>
+                                          </p:spTgt>
+                                        </p:tgtEl>
+                                        <p:attrNameLst>
+                                          <p:attrName>ppt_y</p:attrName>
+                                        </p:attrNameLst>
+                                      </p:cBhvr>
+                                      <p:tavLst>
+                                        <p:tav tm="0">
+                                          <p:val>
+                                            <p:strVal val="#ppt_y+.1"/>
+                                          </p:val>
+                                        </p:tav>
+                                        <p:tav tm="100000">
+                                          <p:val>
+                                            <p:strVal val="#ppt_y"/>
+                                          </p:val>
+                                        </p:tav>
+                                      </p:tavLst>
+                                    </p:anim>
+                                  </p:childTnLst>
+                                </p:cTn>
+                              </p:par>
+                              <p:par>
+                                <p:cTn id="22" presetID="42" presetClass="entr" presetSubtype="0" fill="hold" grpId="0" nodeType="withEffect">
+                                  <p:stCondLst>
+                                    <p:cond delay="0"/>
+                                  </p:stCondLst>
+                                  <p:childTnLst>
+                                    <p:set>
+                                      <p:cBhvr>
+                                        <p:cTn id="23" dur="1" fill="hold">
+                                          <p:stCondLst>
+                                            <p:cond delay="0"/>
+                                          </p:stCondLst>
+                                        </p:cTn>
+                                        <p:tgtEl>
+                                          <p:spTgt spid="7">
+                                            <p:txEl>
+                                              <p:pRg st="2" end="2"/>
+                                            </p:txEl>
+                                          </p:spTgt>
+                                        </p:tgtEl>
+                                        <p:attrNameLst>
+                                          <p:attrName>style.visibility</p:attrName>
+                                        </p:attrNameLst>
+                                      </p:cBhvr>
+                                      <p:to>
+                                        <p:strVal val="visible"/>
+                                      </p:to>
+                                    </p:set>
+                                    <p:animEffect transition="in" filter="fade">
+                                      <p:cBhvr>
+                                        <p:cTn id="24" dur="1000"/>
+                                        <p:tgtEl>
+                                          <p:spTgt spid="7">
+                                            <p:txEl>
+                                              <p:pRg st="2" end="2"/>
+                                            </p:txEl>
+                                          </p:spTgt>
+                                        </p:tgtEl>
+                                      </p:cBhvr>
+                                    </p:animEffect>
+                                    <p:anim calcmode="lin" valueType="num">
+                                      <p:cBhvr>
+                                        <p:cTn id="25" dur="1000" fill="hold"/>
+                                        <p:tgtEl>
+                                          <p:spTgt spid="7">
+                                            <p:txEl>
+                                              <p:pRg st="2" end="2"/>
+                                            </p:txEl>
+                                          </p:spTgt>
+                                        </p:tgtEl>
+                                        <p:attrNameLst>
+                                          <p:attrName>ppt_x</p:attrName>
+                                        </p:attrNameLst>
+                                      </p:cBhvr>
+                                      <p:tavLst>
+                                        <p:tav tm="0">
+                                          <p:val>
+                                            <p:strVal val="#ppt_x"/>
+                                          </p:val>
+                                        </p:tav>
+                                        <p:tav tm="100000">
+                                          <p:val>
+                                            <p:strVal val="#ppt_x"/>
+                                          </p:val>
+                                        </p:tav>
+                                      </p:tavLst>
+                                    </p:anim>
+                                    <p:anim calcmode="lin" valueType="num">
+                                      <p:cBhvr>
+                                        <p:cTn id="26" dur="1000" fill="hold"/>
+                                        <p:tgtEl>
+                                          <p:spTgt spid="7">
+                                            <p:txEl>
+                                              <p:pRg st="2" end="2"/>
+                                            </p:txEl>
+                                          </p:spTgt>
+                                        </p:tgtEl>
+                                        <p:attrNameLst>
+                                          <p:attrName>ppt_y</p:attrName>
+                                        </p:attrNameLst>
+                                      </p:cBhvr>
+                                      <p:tavLst>
+                                        <p:tav tm="0">
+                                          <p:val>
+                                            <p:strVal val="#ppt_y+.1"/>
+                                          </p:val>
+                                        </p:tav>
+                                        <p:tav tm="100000">
+                                          <p:val>
+                                            <p:strVal val="#ppt_y"/>
+                                          </p:val>
+                                        </p:tav>
+                                      </p:tavLst>
+                                    </p:anim>
+                                  </p:childTnLst>
+                                </p:cTn>
+                              </p:par>
+                              <p:par>
+                                <p:cTn id="27" presetID="42" presetClass="entr" presetSubtype="0" fill="hold" grpId="0" nodeType="withEffect">
+                                  <p:stCondLst>
+                                    <p:cond delay="0"/>
+                                  </p:stCondLst>
+                                  <p:childTnLst>
+                                    <p:set>
+                                      <p:cBhvr>
+                                        <p:cTn id="28" dur="1" fill="hold">
+                                          <p:stCondLst>
+                                            <p:cond delay="0"/>
+                                          </p:stCondLst>
+                                        </p:cTn>
+                                        <p:tgtEl>
+                                          <p:spTgt spid="7">
+                                            <p:txEl>
+                                              <p:pRg st="3" end="3"/>
+                                            </p:txEl>
+                                          </p:spTgt>
+                                        </p:tgtEl>
+                                        <p:attrNameLst>
+                                          <p:attrName>style.visibility</p:attrName>
+                                        </p:attrNameLst>
+                                      </p:cBhvr>
+                                      <p:to>
+                                        <p:strVal val="visible"/>
+                                      </p:to>
+                                    </p:set>
+                                    <p:animEffect transition="in" filter="fade">
+                                      <p:cBhvr>
+                                        <p:cTn id="29" dur="1000"/>
+                                        <p:tgtEl>
+                                          <p:spTgt spid="7">
+                                            <p:txEl>
+                                              <p:pRg st="3" end="3"/>
+                                            </p:txEl>
+                                          </p:spTgt>
+                                        </p:tgtEl>
+                                      </p:cBhvr>
+                                    </p:animEffect>
+                                    <p:anim calcmode="lin" valueType="num">
+                                      <p:cBhvr>
+                                        <p:cTn id="30" dur="1000" fill="hold"/>
+                                        <p:tgtEl>
+                                          <p:spTgt spid="7">
+                                            <p:txEl>
+                                              <p:pRg st="3" end="3"/>
+                                            </p:txEl>
+                                          </p:spTgt>
+                                        </p:tgtEl>
+                                        <p:attrNameLst>
+                                          <p:attrName>ppt_x</p:attrName>
+                                        </p:attrNameLst>
+                                      </p:cBhvr>
+                                      <p:tavLst>
+                                        <p:tav tm="0">
+                                          <p:val>
+                                            <p:strVal val="#ppt_x"/>
+                                          </p:val>
+                                        </p:tav>
+                                        <p:tav tm="100000">
+                                          <p:val>
+                                            <p:strVal val="#ppt_x"/>
+                                          </p:val>
+                                        </p:tav>
+                                      </p:tavLst>
+                                    </p:anim>
+                                    <p:anim calcmode="lin" valueType="num">
+                                      <p:cBhvr>
+                                        <p:cTn id="31" dur="1000" fill="hold"/>
+                                        <p:tgtEl>
+                                          <p:spTgt spid="7">
+                                            <p:txEl>
+                                              <p:pRg st="3" end="3"/>
                                             </p:txEl>
                                           </p:spTgt>
                                         </p:tgtEl>
@@ -13597,19 +14059,31 @@
         </p:spPr>
         <p:txBody>
           <a:bodyPr>
-            <a:normAutofit fontScale="92500" lnSpcReduction="20000"/>
+            <a:noAutofit/>
           </a:bodyPr>
           <a:lstStyle/>
           <a:p>
             <a:r>
-              <a:rPr lang="en-US" dirty="0" smtClean="0"/>
+              <a:rPr lang="en-US" sz="1600" b="0" dirty="0" smtClean="0">
+                <a:solidFill>
+                  <a:schemeClr val="tx1"/>
+                </a:solidFill>
+              </a:rPr>
               <a:t>GitHub </a:t>
             </a:r>
             <a:r>
-              <a:rPr lang="en-US" dirty="0"/>
+              <a:rPr lang="en-US" sz="1600" b="0" dirty="0">
+                <a:solidFill>
+                  <a:schemeClr val="tx1"/>
+                </a:solidFill>
+              </a:rPr>
               <a:t>Link -</a:t>
             </a:r>
-            <a:endParaRPr lang="en-IN" dirty="0"/>
+            <a:endParaRPr lang="en-IN" sz="1600" b="0" dirty="0">
+              <a:solidFill>
+                <a:schemeClr val="tx1"/>
+              </a:solidFill>
+            </a:endParaRPr>
           </a:p>
         </p:txBody>
       </p:sp>
@@ -13936,8 +14410,8 @@
         </p:nvSpPr>
         <p:spPr>
           <a:xfrm>
-            <a:off x="4577574" y="3309126"/>
-            <a:ext cx="5075228" cy="584775"/>
+            <a:off x="4018085" y="3309126"/>
+            <a:ext cx="5634717" cy="584775"/>
           </a:xfrm>
           <a:prstGeom prst="rect">
             <a:avLst/>
@@ -13969,15 +14443,15 @@
         </p:nvSpPr>
         <p:spPr>
           <a:xfrm>
-            <a:off x="4406511" y="4218711"/>
-            <a:ext cx="6096000" cy="338554"/>
+            <a:off x="4018085" y="4218711"/>
+            <a:ext cx="6484426" cy="338554"/>
           </a:xfrm>
           <a:prstGeom prst="rect">
             <a:avLst/>
           </a:prstGeom>
         </p:spPr>
         <p:txBody>
-          <a:bodyPr>
+          <a:bodyPr wrap="square">
             <a:spAutoFit/>
           </a:bodyPr>
           <a:lstStyle/>
@@ -13990,7 +14464,6 @@
               <a:rPr lang="en-IN" sz="1600" dirty="0"/>
               <a:t>://github.com/Dipan46/Sales-Insights-Data-Analysis-Project.git</a:t>
             </a:r>
-            <a:endParaRPr lang="en-IN" sz="1600" dirty="0"/>
           </a:p>
         </p:txBody>
       </p:sp>

--- a/PPT/Sales.pptx
+++ b/PPT/Sales.pptx
@@ -9953,29 +9953,8 @@
                   <a:schemeClr val="tx1"/>
                 </a:solidFill>
               </a:rPr>
-              <a:t>Collage - Institute </a:t>
+              <a:t>Collage - Institute of Engineering and Management, Kolkata</a:t>
             </a:r>
-            <a:r>
-              <a:rPr lang="en-US" sz="1800" dirty="0" smtClean="0">
-                <a:solidFill>
-                  <a:schemeClr val="tx1"/>
-                </a:solidFill>
-              </a:rPr>
-              <a:t>of Engineering and </a:t>
-            </a:r>
-            <a:r>
-              <a:rPr lang="en-US" sz="1800" dirty="0" smtClean="0">
-                <a:solidFill>
-                  <a:schemeClr val="tx1"/>
-                </a:solidFill>
-              </a:rPr>
-              <a:t>Management, Kolkata</a:t>
-            </a:r>
-            <a:endParaRPr lang="en-US" sz="1800" dirty="0" smtClean="0">
-              <a:solidFill>
-                <a:schemeClr val="tx1"/>
-              </a:solidFill>
-            </a:endParaRPr>
           </a:p>
           <a:p>
             <a:pPr algn="ctr"/>
@@ -10037,15 +10016,7 @@
             <a:pPr algn="ctr"/>
             <a:r>
               <a:rPr lang="en-GB" sz="3200" dirty="0" smtClean="0"/>
-              <a:t>Project </a:t>
-            </a:r>
-            <a:r>
-              <a:rPr lang="en-GB" sz="3200" dirty="0" smtClean="0"/>
-              <a:t>Title</a:t>
-            </a:r>
-            <a:r>
-              <a:rPr lang="en-GB" sz="3200" dirty="0" smtClean="0"/>
-              <a:t/>
+              <a:t>Project Title</a:t>
             </a:r>
             <a:br>
               <a:rPr lang="en-GB" sz="3200" dirty="0" smtClean="0"/>
@@ -12372,6 +12343,18 @@
               </a:lnSpc>
             </a:pPr>
             <a:r>
+              <a:rPr lang="en-US" sz="2800" smtClean="0"/>
+              <a:t>MySQL</a:t>
+            </a:r>
+            <a:endParaRPr lang="en-US" sz="2800" dirty="0" smtClean="0"/>
+          </a:p>
+          <a:p>
+            <a:pPr lvl="1">
+              <a:lnSpc>
+                <a:spcPct val="150000"/>
+              </a:lnSpc>
+            </a:pPr>
+            <a:r>
               <a:rPr lang="en-US" sz="2800" dirty="0" smtClean="0"/>
               <a:t>ETL</a:t>
             </a:r>
@@ -12931,6 +12914,103 @@
                                           <p:spTgt spid="7">
                                             <p:txEl>
                                               <p:pRg st="3" end="3"/>
+                                            </p:txEl>
+                                          </p:spTgt>
+                                        </p:tgtEl>
+                                        <p:attrNameLst>
+                                          <p:attrName>ppt_y</p:attrName>
+                                        </p:attrNameLst>
+                                      </p:cBhvr>
+                                      <p:tavLst>
+                                        <p:tav tm="0">
+                                          <p:val>
+                                            <p:strVal val="#ppt_y+.1"/>
+                                          </p:val>
+                                        </p:tav>
+                                        <p:tav tm="100000">
+                                          <p:val>
+                                            <p:strVal val="#ppt_y"/>
+                                          </p:val>
+                                        </p:tav>
+                                      </p:tavLst>
+                                    </p:anim>
+                                  </p:childTnLst>
+                                </p:cTn>
+                              </p:par>
+                              <p:par>
+                                <p:cTn id="32" presetID="42" presetClass="entr" presetSubtype="0" fill="hold" grpId="0" nodeType="withEffect">
+                                  <p:stCondLst>
+                                    <p:cond delay="0"/>
+                                  </p:stCondLst>
+                                  <p:childTnLst>
+                                    <p:set>
+                                      <p:cBhvr>
+                                        <p:cTn id="33" dur="1" fill="hold">
+                                          <p:stCondLst>
+                                            <p:cond delay="0"/>
+                                          </p:stCondLst>
+                                        </p:cTn>
+                                        <p:tgtEl>
+                                          <p:spTgt spid="7">
+                                            <p:txEl>
+                                              <p:pRg st="4" end="4"/>
+                                            </p:txEl>
+                                          </p:spTgt>
+                                        </p:tgtEl>
+                                        <p:attrNameLst>
+                                          <p:attrName>style.visibility</p:attrName>
+                                        </p:attrNameLst>
+                                      </p:cBhvr>
+                                      <p:to>
+                                        <p:strVal val="visible"/>
+                                      </p:to>
+                                    </p:set>
+                                    <p:animEffect transition="in" filter="fade">
+                                      <p:cBhvr>
+                                        <p:cTn id="34" dur="1000"/>
+                                        <p:tgtEl>
+                                          <p:spTgt spid="7">
+                                            <p:txEl>
+                                              <p:pRg st="4" end="4"/>
+                                            </p:txEl>
+                                          </p:spTgt>
+                                        </p:tgtEl>
+                                      </p:cBhvr>
+                                    </p:animEffect>
+                                    <p:anim calcmode="lin" valueType="num">
+                                      <p:cBhvr>
+                                        <p:cTn id="35" dur="1000" fill="hold"/>
+                                        <p:tgtEl>
+                                          <p:spTgt spid="7">
+                                            <p:txEl>
+                                              <p:pRg st="4" end="4"/>
+                                            </p:txEl>
+                                          </p:spTgt>
+                                        </p:tgtEl>
+                                        <p:attrNameLst>
+                                          <p:attrName>ppt_x</p:attrName>
+                                        </p:attrNameLst>
+                                      </p:cBhvr>
+                                      <p:tavLst>
+                                        <p:tav tm="0">
+                                          <p:val>
+                                            <p:strVal val="#ppt_x"/>
+                                          </p:val>
+                                        </p:tav>
+                                        <p:tav tm="100000">
+                                          <p:val>
+                                            <p:strVal val="#ppt_x"/>
+                                          </p:val>
+                                        </p:tav>
+                                      </p:tavLst>
+                                    </p:anim>
+                                    <p:anim calcmode="lin" valueType="num">
+                                      <p:cBhvr>
+                                        <p:cTn id="36" dur="1000" fill="hold"/>
+                                        <p:tgtEl>
+                                          <p:spTgt spid="7">
+                                            <p:txEl>
+                                              <p:pRg st="4" end="4"/>
                                             </p:txEl>
                                           </p:spTgt>
                                         </p:tgtEl>
@@ -15518,6 +15598,24 @@
 </file>
 
 <file path=customXml/item1.xml><?xml version="1.0" encoding="utf-8"?>
+<?mso-contentType ?>
+<FormTemplates xmlns="http://schemas.microsoft.com/sharepoint/v3/contenttype/forms">
+  <Display>DocumentLibraryForm</Display>
+  <Edit>DocumentLibraryForm</Edit>
+  <New>DocumentLibraryForm</New>
+</FormTemplates>
+</file>
+
+<file path=customXml/item2.xml><?xml version="1.0" encoding="utf-8"?>
+<p:properties xmlns:p="http://schemas.microsoft.com/office/2006/metadata/properties" xmlns:xsi="http://www.w3.org/2001/XMLSchema-instance" xmlns:pc="http://schemas.microsoft.com/office/infopath/2007/PartnerControls">
+  <documentManagement>
+    <Status xmlns="71af3243-3dd4-4a8d-8c0d-dd76da1f02a5">Not started</Status>
+    <MediaServiceKeyPoints xmlns="71af3243-3dd4-4a8d-8c0d-dd76da1f02a5" xsi:nil="true"/>
+  </documentManagement>
+</p:properties>
+</file>
+
+<file path=customXml/item3.xml><?xml version="1.0" encoding="utf-8"?>
 <ct:contentTypeSchema xmlns:ct="http://schemas.microsoft.com/office/2006/metadata/contentType" xmlns:ma="http://schemas.microsoft.com/office/2006/metadata/properties/metaAttributes" ct:_="" ma:_="" ma:contentTypeName="Document" ma:contentTypeID="0x01010079F111ED35F8CC479449609E8A0923A6" ma:contentTypeVersion="12" ma:contentTypeDescription="Create a new document." ma:contentTypeScope="" ma:versionID="426e97fa315356fffbdcd9876fe988c2">
   <xsd:schema xmlns:xsd="http://www.w3.org/2001/XMLSchema" xmlns:xs="http://www.w3.org/2001/XMLSchema" xmlns:p="http://schemas.microsoft.com/office/2006/metadata/properties" xmlns:ns2="71af3243-3dd4-4a8d-8c0d-dd76da1f02a5" xmlns:ns3="16c05727-aa75-4e4a-9b5f-8a80a1165891" targetNamespace="http://schemas.microsoft.com/office/2006/metadata/properties" ma:root="true" ma:fieldsID="14b8f0def80e6d70ce3def20c90759ae" ns2:_="" ns3:_="">
     <xsd:import namespace="71af3243-3dd4-4a8d-8c0d-dd76da1f02a5"/>
@@ -15738,25 +15836,25 @@
 </ct:contentTypeSchema>
 </file>
 
-<file path=customXml/item2.xml><?xml version="1.0" encoding="utf-8"?>
-<p:properties xmlns:p="http://schemas.microsoft.com/office/2006/metadata/properties" xmlns:xsi="http://www.w3.org/2001/XMLSchema-instance" xmlns:pc="http://schemas.microsoft.com/office/infopath/2007/PartnerControls">
-  <documentManagement>
-    <Status xmlns="71af3243-3dd4-4a8d-8c0d-dd76da1f02a5">Not started</Status>
-    <MediaServiceKeyPoints xmlns="71af3243-3dd4-4a8d-8c0d-dd76da1f02a5" xsi:nil="true"/>
-  </documentManagement>
-</p:properties>
+<file path=customXml/itemProps1.xml><?xml version="1.0" encoding="utf-8"?>
+<ds:datastoreItem xmlns:ds="http://schemas.openxmlformats.org/officeDocument/2006/customXml" ds:itemID="{05D99ABA-76CE-4A8E-B5F0-C051B96628DE}">
+  <ds:schemaRefs>
+    <ds:schemaRef ds:uri="http://schemas.microsoft.com/sharepoint/v3/contenttype/forms"/>
+  </ds:schemaRefs>
+</ds:datastoreItem>
 </file>
 
-<file path=customXml/item3.xml><?xml version="1.0" encoding="utf-8"?>
-<?mso-contentType ?>
-<FormTemplates xmlns="http://schemas.microsoft.com/sharepoint/v3/contenttype/forms">
-  <Display>DocumentLibraryForm</Display>
-  <Edit>DocumentLibraryForm</Edit>
-  <New>DocumentLibraryForm</New>
-</FormTemplates>
+<file path=customXml/itemProps2.xml><?xml version="1.0" encoding="utf-8"?>
+<ds:datastoreItem xmlns:ds="http://schemas.openxmlformats.org/officeDocument/2006/customXml" ds:itemID="{4DEA9014-ED64-4558-B1E1-D03F0EE32BEB}">
+  <ds:schemaRefs>
+    <ds:schemaRef ds:uri="http://schemas.microsoft.com/office/2006/metadata/properties"/>
+    <ds:schemaRef ds:uri="http://schemas.microsoft.com/office/infopath/2007/PartnerControls"/>
+    <ds:schemaRef ds:uri="71af3243-3dd4-4a8d-8c0d-dd76da1f02a5"/>
+  </ds:schemaRefs>
+</ds:datastoreItem>
 </file>
 
-<file path=customXml/itemProps1.xml><?xml version="1.0" encoding="utf-8"?>
+<file path=customXml/itemProps3.xml><?xml version="1.0" encoding="utf-8"?>
 <ds:datastoreItem xmlns:ds="http://schemas.openxmlformats.org/officeDocument/2006/customXml" ds:itemID="{B19EB750-A6DA-4BE8-B87B-FC499FE73360}">
   <ds:schemaRefs>
     <ds:schemaRef ds:uri="http://schemas.microsoft.com/office/2006/metadata/contentType"/>
@@ -15773,22 +15871,4 @@
     <ds:schemaRef ds:uri="http://schemas.microsoft.com/internal/obd"/>
   </ds:schemaRefs>
 </ds:datastoreItem>
-</file>
-
-<file path=customXml/itemProps2.xml><?xml version="1.0" encoding="utf-8"?>
-<ds:datastoreItem xmlns:ds="http://schemas.openxmlformats.org/officeDocument/2006/customXml" ds:itemID="{4DEA9014-ED64-4558-B1E1-D03F0EE32BEB}">
-  <ds:schemaRefs>
-    <ds:schemaRef ds:uri="http://schemas.microsoft.com/office/2006/metadata/properties"/>
-    <ds:schemaRef ds:uri="http://schemas.microsoft.com/office/infopath/2007/PartnerControls"/>
-    <ds:schemaRef ds:uri="71af3243-3dd4-4a8d-8c0d-dd76da1f02a5"/>
-  </ds:schemaRefs>
-</ds:datastoreItem>
-</file>
-
-<file path=customXml/itemProps3.xml><?xml version="1.0" encoding="utf-8"?>
-<ds:datastoreItem xmlns:ds="http://schemas.openxmlformats.org/officeDocument/2006/customXml" ds:itemID="{05D99ABA-76CE-4A8E-B5F0-C051B96628DE}">
-  <ds:schemaRefs>
-    <ds:schemaRef ds:uri="http://schemas.microsoft.com/sharepoint/v3/contenttype/forms"/>
-  </ds:schemaRefs>
-</ds:datastoreItem>
 </file>
--- a/PPT/Sales.pptx
+++ b/PPT/Sales.pptx
@@ -11737,7 +11737,7 @@
         </p:spPr>
         <p:txBody>
           <a:bodyPr>
-            <a:normAutofit/>
+            <a:normAutofit fontScale="85000" lnSpcReduction="10000"/>
           </a:bodyPr>
           <a:lstStyle/>
           <a:p>
@@ -11762,8 +11762,30 @@
               </a:lnSpc>
             </a:pPr>
             <a:r>
-              <a:rPr lang="en-IN" sz="3200" dirty="0"/>
+              <a:rPr lang="en-IN" sz="3200" dirty="0" smtClean="0"/>
               <a:t>Stakeholders</a:t>
+            </a:r>
+          </a:p>
+          <a:p>
+            <a:pPr algn="just">
+              <a:lnSpc>
+                <a:spcPct val="150000"/>
+              </a:lnSpc>
+            </a:pPr>
+            <a:r>
+              <a:rPr lang="en-US" sz="3200" dirty="0" smtClean="0"/>
+              <a:t>Employees</a:t>
+            </a:r>
+          </a:p>
+          <a:p>
+            <a:pPr algn="just">
+              <a:lnSpc>
+                <a:spcPct val="150000"/>
+              </a:lnSpc>
+            </a:pPr>
+            <a:r>
+              <a:rPr lang="en-US" sz="3200" dirty="0" smtClean="0"/>
+              <a:t>Sales Team</a:t>
             </a:r>
           </a:p>
         </p:txBody>
@@ -12152,6 +12174,236 @@
                                           <p:spTgt spid="2">
                                             <p:txEl>
                                               <p:pRg st="1" end="1"/>
+                                            </p:txEl>
+                                          </p:spTgt>
+                                        </p:tgtEl>
+                                        <p:attrNameLst>
+                                          <p:attrName>ppt_y</p:attrName>
+                                        </p:attrNameLst>
+                                      </p:cBhvr>
+                                      <p:tavLst>
+                                        <p:tav tm="0">
+                                          <p:val>
+                                            <p:strVal val="#ppt_y+.1"/>
+                                          </p:val>
+                                        </p:tav>
+                                        <p:tav tm="100000">
+                                          <p:val>
+                                            <p:strVal val="#ppt_y"/>
+                                          </p:val>
+                                        </p:tav>
+                                      </p:tavLst>
+                                    </p:anim>
+                                  </p:childTnLst>
+                                </p:cTn>
+                              </p:par>
+                            </p:childTnLst>
+                          </p:cTn>
+                        </p:par>
+                      </p:childTnLst>
+                    </p:cTn>
+                  </p:par>
+                  <p:par>
+                    <p:cTn id="24" fill="hold">
+                      <p:stCondLst>
+                        <p:cond delay="indefinite"/>
+                      </p:stCondLst>
+                      <p:childTnLst>
+                        <p:par>
+                          <p:cTn id="25" fill="hold">
+                            <p:stCondLst>
+                              <p:cond delay="0"/>
+                            </p:stCondLst>
+                            <p:childTnLst>
+                              <p:par>
+                                <p:cTn id="26" presetID="42" presetClass="entr" presetSubtype="0" fill="hold" grpId="0" nodeType="clickEffect">
+                                  <p:stCondLst>
+                                    <p:cond delay="0"/>
+                                  </p:stCondLst>
+                                  <p:childTnLst>
+                                    <p:set>
+                                      <p:cBhvr>
+                                        <p:cTn id="27" dur="1" fill="hold">
+                                          <p:stCondLst>
+                                            <p:cond delay="0"/>
+                                          </p:stCondLst>
+                                        </p:cTn>
+                                        <p:tgtEl>
+                                          <p:spTgt spid="2">
+                                            <p:txEl>
+                                              <p:pRg st="2" end="2"/>
+                                            </p:txEl>
+                                          </p:spTgt>
+                                        </p:tgtEl>
+                                        <p:attrNameLst>
+                                          <p:attrName>style.visibility</p:attrName>
+                                        </p:attrNameLst>
+                                      </p:cBhvr>
+                                      <p:to>
+                                        <p:strVal val="visible"/>
+                                      </p:to>
+                                    </p:set>
+                                    <p:animEffect transition="in" filter="fade">
+                                      <p:cBhvr>
+                                        <p:cTn id="28" dur="1000"/>
+                                        <p:tgtEl>
+                                          <p:spTgt spid="2">
+                                            <p:txEl>
+                                              <p:pRg st="2" end="2"/>
+                                            </p:txEl>
+                                          </p:spTgt>
+                                        </p:tgtEl>
+                                      </p:cBhvr>
+                                    </p:animEffect>
+                                    <p:anim calcmode="lin" valueType="num">
+                                      <p:cBhvr>
+                                        <p:cTn id="29" dur="1000" fill="hold"/>
+                                        <p:tgtEl>
+                                          <p:spTgt spid="2">
+                                            <p:txEl>
+                                              <p:pRg st="2" end="2"/>
+                                            </p:txEl>
+                                          </p:spTgt>
+                                        </p:tgtEl>
+                                        <p:attrNameLst>
+                                          <p:attrName>ppt_x</p:attrName>
+                                        </p:attrNameLst>
+                                      </p:cBhvr>
+                                      <p:tavLst>
+                                        <p:tav tm="0">
+                                          <p:val>
+                                            <p:strVal val="#ppt_x"/>
+                                          </p:val>
+                                        </p:tav>
+                                        <p:tav tm="100000">
+                                          <p:val>
+                                            <p:strVal val="#ppt_x"/>
+                                          </p:val>
+                                        </p:tav>
+                                      </p:tavLst>
+                                    </p:anim>
+                                    <p:anim calcmode="lin" valueType="num">
+                                      <p:cBhvr>
+                                        <p:cTn id="30" dur="1000" fill="hold"/>
+                                        <p:tgtEl>
+                                          <p:spTgt spid="2">
+                                            <p:txEl>
+                                              <p:pRg st="2" end="2"/>
+                                            </p:txEl>
+                                          </p:spTgt>
+                                        </p:tgtEl>
+                                        <p:attrNameLst>
+                                          <p:attrName>ppt_y</p:attrName>
+                                        </p:attrNameLst>
+                                      </p:cBhvr>
+                                      <p:tavLst>
+                                        <p:tav tm="0">
+                                          <p:val>
+                                            <p:strVal val="#ppt_y+.1"/>
+                                          </p:val>
+                                        </p:tav>
+                                        <p:tav tm="100000">
+                                          <p:val>
+                                            <p:strVal val="#ppt_y"/>
+                                          </p:val>
+                                        </p:tav>
+                                      </p:tavLst>
+                                    </p:anim>
+                                  </p:childTnLst>
+                                </p:cTn>
+                              </p:par>
+                            </p:childTnLst>
+                          </p:cTn>
+                        </p:par>
+                      </p:childTnLst>
+                    </p:cTn>
+                  </p:par>
+                  <p:par>
+                    <p:cTn id="31" fill="hold">
+                      <p:stCondLst>
+                        <p:cond delay="indefinite"/>
+                      </p:stCondLst>
+                      <p:childTnLst>
+                        <p:par>
+                          <p:cTn id="32" fill="hold">
+                            <p:stCondLst>
+                              <p:cond delay="0"/>
+                            </p:stCondLst>
+                            <p:childTnLst>
+                              <p:par>
+                                <p:cTn id="33" presetID="42" presetClass="entr" presetSubtype="0" fill="hold" grpId="0" nodeType="clickEffect">
+                                  <p:stCondLst>
+                                    <p:cond delay="0"/>
+                                  </p:stCondLst>
+                                  <p:childTnLst>
+                                    <p:set>
+                                      <p:cBhvr>
+                                        <p:cTn id="34" dur="1" fill="hold">
+                                          <p:stCondLst>
+                                            <p:cond delay="0"/>
+                                          </p:stCondLst>
+                                        </p:cTn>
+                                        <p:tgtEl>
+                                          <p:spTgt spid="2">
+                                            <p:txEl>
+                                              <p:pRg st="3" end="3"/>
+                                            </p:txEl>
+                                          </p:spTgt>
+                                        </p:tgtEl>
+                                        <p:attrNameLst>
+                                          <p:attrName>style.visibility</p:attrName>
+                                        </p:attrNameLst>
+                                      </p:cBhvr>
+                                      <p:to>
+                                        <p:strVal val="visible"/>
+                                      </p:to>
+                                    </p:set>
+                                    <p:animEffect transition="in" filter="fade">
+                                      <p:cBhvr>
+                                        <p:cTn id="35" dur="1000"/>
+                                        <p:tgtEl>
+                                          <p:spTgt spid="2">
+                                            <p:txEl>
+                                              <p:pRg st="3" end="3"/>
+                                            </p:txEl>
+                                          </p:spTgt>
+                                        </p:tgtEl>
+                                      </p:cBhvr>
+                                    </p:animEffect>
+                                    <p:anim calcmode="lin" valueType="num">
+                                      <p:cBhvr>
+                                        <p:cTn id="36" dur="1000" fill="hold"/>
+                                        <p:tgtEl>
+                                          <p:spTgt spid="2">
+                                            <p:txEl>
+                                              <p:pRg st="3" end="3"/>
+                                            </p:txEl>
+                                          </p:spTgt>
+                                        </p:tgtEl>
+                                        <p:attrNameLst>
+                                          <p:attrName>ppt_x</p:attrName>
+                                        </p:attrNameLst>
+                                      </p:cBhvr>
+                                      <p:tavLst>
+                                        <p:tav tm="0">
+                                          <p:val>
+                                            <p:strVal val="#ppt_x"/>
+                                          </p:val>
+                                        </p:tav>
+                                        <p:tav tm="100000">
+                                          <p:val>
+                                            <p:strVal val="#ppt_x"/>
+                                          </p:val>
+                                        </p:tav>
+                                      </p:tavLst>
+                                    </p:anim>
+                                    <p:anim calcmode="lin" valueType="num">
+                                      <p:cBhvr>
+                                        <p:cTn id="37" dur="1000" fill="hold"/>
+                                        <p:tgtEl>
+                                          <p:spTgt spid="2">
+                                            <p:txEl>
+                                              <p:pRg st="3" end="3"/>
                                             </p:txEl>
                                           </p:spTgt>
                                         </p:tgtEl>
@@ -15598,24 +15850,6 @@
 </file>
 
 <file path=customXml/item1.xml><?xml version="1.0" encoding="utf-8"?>
-<?mso-contentType ?>
-<FormTemplates xmlns="http://schemas.microsoft.com/sharepoint/v3/contenttype/forms">
-  <Display>DocumentLibraryForm</Display>
-  <Edit>DocumentLibraryForm</Edit>
-  <New>DocumentLibraryForm</New>
-</FormTemplates>
-</file>
-
-<file path=customXml/item2.xml><?xml version="1.0" encoding="utf-8"?>
-<p:properties xmlns:p="http://schemas.microsoft.com/office/2006/metadata/properties" xmlns:xsi="http://www.w3.org/2001/XMLSchema-instance" xmlns:pc="http://schemas.microsoft.com/office/infopath/2007/PartnerControls">
-  <documentManagement>
-    <Status xmlns="71af3243-3dd4-4a8d-8c0d-dd76da1f02a5">Not started</Status>
-    <MediaServiceKeyPoints xmlns="71af3243-3dd4-4a8d-8c0d-dd76da1f02a5" xsi:nil="true"/>
-  </documentManagement>
-</p:properties>
-</file>
-
-<file path=customXml/item3.xml><?xml version="1.0" encoding="utf-8"?>
 <ct:contentTypeSchema xmlns:ct="http://schemas.microsoft.com/office/2006/metadata/contentType" xmlns:ma="http://schemas.microsoft.com/office/2006/metadata/properties/metaAttributes" ct:_="" ma:_="" ma:contentTypeName="Document" ma:contentTypeID="0x01010079F111ED35F8CC479449609E8A0923A6" ma:contentTypeVersion="12" ma:contentTypeDescription="Create a new document." ma:contentTypeScope="" ma:versionID="426e97fa315356fffbdcd9876fe988c2">
   <xsd:schema xmlns:xsd="http://www.w3.org/2001/XMLSchema" xmlns:xs="http://www.w3.org/2001/XMLSchema" xmlns:p="http://schemas.microsoft.com/office/2006/metadata/properties" xmlns:ns2="71af3243-3dd4-4a8d-8c0d-dd76da1f02a5" xmlns:ns3="16c05727-aa75-4e4a-9b5f-8a80a1165891" targetNamespace="http://schemas.microsoft.com/office/2006/metadata/properties" ma:root="true" ma:fieldsID="14b8f0def80e6d70ce3def20c90759ae" ns2:_="" ns3:_="">
     <xsd:import namespace="71af3243-3dd4-4a8d-8c0d-dd76da1f02a5"/>
@@ -15836,25 +16070,25 @@
 </ct:contentTypeSchema>
 </file>
 
-<file path=customXml/itemProps1.xml><?xml version="1.0" encoding="utf-8"?>
-<ds:datastoreItem xmlns:ds="http://schemas.openxmlformats.org/officeDocument/2006/customXml" ds:itemID="{05D99ABA-76CE-4A8E-B5F0-C051B96628DE}">
-  <ds:schemaRefs>
-    <ds:schemaRef ds:uri="http://schemas.microsoft.com/sharepoint/v3/contenttype/forms"/>
-  </ds:schemaRefs>
-</ds:datastoreItem>
+<file path=customXml/item2.xml><?xml version="1.0" encoding="utf-8"?>
+<p:properties xmlns:p="http://schemas.microsoft.com/office/2006/metadata/properties" xmlns:xsi="http://www.w3.org/2001/XMLSchema-instance" xmlns:pc="http://schemas.microsoft.com/office/infopath/2007/PartnerControls">
+  <documentManagement>
+    <Status xmlns="71af3243-3dd4-4a8d-8c0d-dd76da1f02a5">Not started</Status>
+    <MediaServiceKeyPoints xmlns="71af3243-3dd4-4a8d-8c0d-dd76da1f02a5" xsi:nil="true"/>
+  </documentManagement>
+</p:properties>
 </file>
 
-<file path=customXml/itemProps2.xml><?xml version="1.0" encoding="utf-8"?>
-<ds:datastoreItem xmlns:ds="http://schemas.openxmlformats.org/officeDocument/2006/customXml" ds:itemID="{4DEA9014-ED64-4558-B1E1-D03F0EE32BEB}">
-  <ds:schemaRefs>
-    <ds:schemaRef ds:uri="http://schemas.microsoft.com/office/2006/metadata/properties"/>
-    <ds:schemaRef ds:uri="http://schemas.microsoft.com/office/infopath/2007/PartnerControls"/>
-    <ds:schemaRef ds:uri="71af3243-3dd4-4a8d-8c0d-dd76da1f02a5"/>
-  </ds:schemaRefs>
-</ds:datastoreItem>
+<file path=customXml/item3.xml><?xml version="1.0" encoding="utf-8"?>
+<?mso-contentType ?>
+<FormTemplates xmlns="http://schemas.microsoft.com/sharepoint/v3/contenttype/forms">
+  <Display>DocumentLibraryForm</Display>
+  <Edit>DocumentLibraryForm</Edit>
+  <New>DocumentLibraryForm</New>
+</FormTemplates>
 </file>
 
-<file path=customXml/itemProps3.xml><?xml version="1.0" encoding="utf-8"?>
+<file path=customXml/itemProps1.xml><?xml version="1.0" encoding="utf-8"?>
 <ds:datastoreItem xmlns:ds="http://schemas.openxmlformats.org/officeDocument/2006/customXml" ds:itemID="{B19EB750-A6DA-4BE8-B87B-FC499FE73360}">
   <ds:schemaRefs>
     <ds:schemaRef ds:uri="http://schemas.microsoft.com/office/2006/metadata/contentType"/>
@@ -15871,4 +16105,22 @@
     <ds:schemaRef ds:uri="http://schemas.microsoft.com/internal/obd"/>
   </ds:schemaRefs>
 </ds:datastoreItem>
+</file>
+
+<file path=customXml/itemProps2.xml><?xml version="1.0" encoding="utf-8"?>
+<ds:datastoreItem xmlns:ds="http://schemas.openxmlformats.org/officeDocument/2006/customXml" ds:itemID="{4DEA9014-ED64-4558-B1E1-D03F0EE32BEB}">
+  <ds:schemaRefs>
+    <ds:schemaRef ds:uri="http://schemas.microsoft.com/office/2006/metadata/properties"/>
+    <ds:schemaRef ds:uri="http://schemas.microsoft.com/office/infopath/2007/PartnerControls"/>
+    <ds:schemaRef ds:uri="71af3243-3dd4-4a8d-8c0d-dd76da1f02a5"/>
+  </ds:schemaRefs>
+</ds:datastoreItem>
+</file>
+
+<file path=customXml/itemProps3.xml><?xml version="1.0" encoding="utf-8"?>
+<ds:datastoreItem xmlns:ds="http://schemas.openxmlformats.org/officeDocument/2006/customXml" ds:itemID="{05D99ABA-76CE-4A8E-B5F0-C051B96628DE}">
+  <ds:schemaRefs>
+    <ds:schemaRef ds:uri="http://schemas.microsoft.com/sharepoint/v3/contenttype/forms"/>
+  </ds:schemaRefs>
+</ds:datastoreItem>
 </file>